--- a/PPT/Design Pattern 4 - Decorator Pattern.pptx
+++ b/PPT/Design Pattern 4 - Decorator Pattern.pptx
@@ -117,6 +117,11 @@
       </a:defRPr>
     </a:lvl9pPr>
   </p:defaultTextStyle>
+  <p:extLst>
+    <p:ext uri="{EFAFB233-063F-42B5-8137-9DF3F51BA10A}">
+      <p15:sldGuideLst xmlns:p15="http://schemas.microsoft.com/office/powerpoint/2012/main"/>
+    </p:ext>
+  </p:extLst>
 </p:presentation>
 </file>
 
@@ -202,7 +207,7 @@
           <a:p>
             <a:fld id="{A267A016-0E00-4BC1-B9D5-2A74CC5E7841}" type="datetimeFigureOut">
               <a:rPr lang="id-ID" smtClean="0"/>
-              <a:t>11/02/2017</a:t>
+              <a:t>13/02/2017</a:t>
             </a:fld>
             <a:endParaRPr lang="id-ID"/>
           </a:p>
@@ -4034,7 +4039,7 @@
           <a:p>
             <a:fld id="{39E30C8A-8C50-40C4-9427-C4716E2E23C5}" type="datetime1">
               <a:rPr lang="id-ID" smtClean="0"/>
-              <a:t>11/02/2017</a:t>
+              <a:t>13/02/2017</a:t>
             </a:fld>
             <a:endParaRPr lang="id-ID"/>
           </a:p>
@@ -4243,7 +4248,7 @@
           <a:p>
             <a:fld id="{553ED64C-D0A4-4F97-A8B2-6A45C7B6A769}" type="datetime1">
               <a:rPr lang="id-ID" smtClean="0"/>
-              <a:t>11/02/2017</a:t>
+              <a:t>13/02/2017</a:t>
             </a:fld>
             <a:endParaRPr lang="id-ID"/>
           </a:p>
@@ -4427,7 +4432,7 @@
           <a:p>
             <a:fld id="{36DFF7FD-B737-4726-99A1-325FC1093446}" type="datetime1">
               <a:rPr lang="id-ID" smtClean="0"/>
-              <a:t>11/02/2017</a:t>
+              <a:t>13/02/2017</a:t>
             </a:fld>
             <a:endParaRPr lang="id-ID"/>
           </a:p>
@@ -4636,7 +4641,7 @@
           <a:p>
             <a:fld id="{85F35D71-ED25-434A-8C1E-4BDADCAD51A9}" type="datetime1">
               <a:rPr lang="id-ID" smtClean="0"/>
-              <a:t>11/02/2017</a:t>
+              <a:t>13/02/2017</a:t>
             </a:fld>
             <a:endParaRPr lang="id-ID"/>
           </a:p>
@@ -8309,7 +8314,7 @@
           <a:p>
             <a:fld id="{12F9CBE1-C000-48DA-AC4D-6254413BD336}" type="datetime1">
               <a:rPr lang="id-ID" smtClean="0"/>
-              <a:t>11/02/2017</a:t>
+              <a:t>13/02/2017</a:t>
             </a:fld>
             <a:endParaRPr lang="id-ID"/>
           </a:p>
@@ -8585,7 +8590,7 @@
           <a:p>
             <a:fld id="{6E12F32D-FAEB-4A17-BA5F-9D4EA7E197A0}" type="datetime1">
               <a:rPr lang="id-ID" smtClean="0"/>
-              <a:t>11/02/2017</a:t>
+              <a:t>13/02/2017</a:t>
             </a:fld>
             <a:endParaRPr lang="id-ID"/>
           </a:p>
@@ -8992,7 +8997,7 @@
           <a:p>
             <a:fld id="{DD85449B-946E-466F-BF9A-E93502BC0413}" type="datetime1">
               <a:rPr lang="id-ID" smtClean="0"/>
-              <a:t>11/02/2017</a:t>
+              <a:t>13/02/2017</a:t>
             </a:fld>
             <a:endParaRPr lang="id-ID"/>
           </a:p>
@@ -9114,7 +9119,7 @@
           <a:p>
             <a:fld id="{BCA5F319-9189-453F-80F4-4B08C22DF78E}" type="datetime1">
               <a:rPr lang="id-ID" smtClean="0"/>
-              <a:t>11/02/2017</a:t>
+              <a:t>13/02/2017</a:t>
             </a:fld>
             <a:endParaRPr lang="id-ID"/>
           </a:p>
@@ -9213,7 +9218,7 @@
           <a:p>
             <a:fld id="{08058F16-28BA-4441-A085-5923B656122F}" type="datetime1">
               <a:rPr lang="id-ID" smtClean="0"/>
-              <a:t>11/02/2017</a:t>
+              <a:t>13/02/2017</a:t>
             </a:fld>
             <a:endParaRPr lang="id-ID"/>
           </a:p>
@@ -9507,7 +9512,7 @@
           <a:p>
             <a:fld id="{61FDDFAC-ABD5-466D-9172-9383947D69DB}" type="datetime1">
               <a:rPr lang="id-ID" smtClean="0"/>
-              <a:t>11/02/2017</a:t>
+              <a:t>13/02/2017</a:t>
             </a:fld>
             <a:endParaRPr lang="id-ID"/>
           </a:p>
@@ -9791,7 +9796,7 @@
           <a:p>
             <a:fld id="{BC93B683-343B-4BC2-B93E-F2E6D913A06A}" type="datetime1">
               <a:rPr lang="id-ID" smtClean="0"/>
-              <a:t>11/02/2017</a:t>
+              <a:t>13/02/2017</a:t>
             </a:fld>
             <a:endParaRPr lang="id-ID"/>
           </a:p>
@@ -10045,7 +10050,7 @@
           <a:p>
             <a:fld id="{82B85EED-6694-4B2B-A0ED-A99274CF6EC8}" type="datetime1">
               <a:rPr lang="id-ID" smtClean="0"/>
-              <a:t>11/02/2017</a:t>
+              <a:t>13/02/2017</a:t>
             </a:fld>
             <a:endParaRPr lang="id-ID"/>
           </a:p>
@@ -10626,6 +10631,13 @@
   <p:clrMapOvr>
     <a:masterClrMapping/>
   </p:clrMapOvr>
+  <p:timing>
+    <p:tnLst>
+      <p:par>
+        <p:cTn id="1" dur="indefinite" restart="never" nodeType="tmRoot"/>
+      </p:par>
+    </p:tnLst>
+  </p:timing>
 </p:sld>
 </file>
 
@@ -10679,7 +10691,12 @@
             <p:ph idx="1"/>
           </p:nvPr>
         </p:nvSpPr>
-        <p:spPr/>
+        <p:spPr>
+          <a:xfrm>
+            <a:off x="1024128" y="2286000"/>
+            <a:ext cx="10235275" cy="4023360"/>
+          </a:xfrm>
+        </p:spPr>
         <p:txBody>
           <a:bodyPr>
             <a:normAutofit/>
@@ -10776,7 +10793,177 @@
   <p:timing>
     <p:tnLst>
       <p:par>
-        <p:cTn id="1" dur="indefinite" restart="never" nodeType="tmRoot"/>
+        <p:cTn id="1" dur="indefinite" restart="never" nodeType="tmRoot">
+          <p:childTnLst>
+            <p:seq concurrent="1" nextAc="seek">
+              <p:cTn id="2" dur="indefinite" nodeType="mainSeq">
+                <p:childTnLst>
+                  <p:par>
+                    <p:cTn id="3" fill="hold">
+                      <p:stCondLst>
+                        <p:cond delay="indefinite"/>
+                      </p:stCondLst>
+                      <p:childTnLst>
+                        <p:par>
+                          <p:cTn id="4" fill="hold">
+                            <p:stCondLst>
+                              <p:cond delay="0"/>
+                            </p:stCondLst>
+                            <p:childTnLst>
+                              <p:par>
+                                <p:cTn id="5" presetID="1" presetClass="entr" presetSubtype="0" fill="hold" nodeType="clickEffect">
+                                  <p:stCondLst>
+                                    <p:cond delay="0"/>
+                                  </p:stCondLst>
+                                  <p:childTnLst>
+                                    <p:set>
+                                      <p:cBhvr>
+                                        <p:cTn id="6" dur="1" fill="hold">
+                                          <p:stCondLst>
+                                            <p:cond delay="0"/>
+                                          </p:stCondLst>
+                                        </p:cTn>
+                                        <p:tgtEl>
+                                          <p:spTgt spid="3">
+                                            <p:txEl>
+                                              <p:pRg st="0" end="0"/>
+                                            </p:txEl>
+                                          </p:spTgt>
+                                        </p:tgtEl>
+                                        <p:attrNameLst>
+                                          <p:attrName>style.visibility</p:attrName>
+                                        </p:attrNameLst>
+                                      </p:cBhvr>
+                                      <p:to>
+                                        <p:strVal val="visible"/>
+                                      </p:to>
+                                    </p:set>
+                                  </p:childTnLst>
+                                </p:cTn>
+                              </p:par>
+                            </p:childTnLst>
+                          </p:cTn>
+                        </p:par>
+                      </p:childTnLst>
+                    </p:cTn>
+                  </p:par>
+                  <p:par>
+                    <p:cTn id="7" fill="hold">
+                      <p:stCondLst>
+                        <p:cond delay="indefinite"/>
+                      </p:stCondLst>
+                      <p:childTnLst>
+                        <p:par>
+                          <p:cTn id="8" fill="hold">
+                            <p:stCondLst>
+                              <p:cond delay="0"/>
+                            </p:stCondLst>
+                            <p:childTnLst>
+                              <p:par>
+                                <p:cTn id="9" presetID="1" presetClass="entr" presetSubtype="0" fill="hold" nodeType="clickEffect">
+                                  <p:stCondLst>
+                                    <p:cond delay="0"/>
+                                  </p:stCondLst>
+                                  <p:childTnLst>
+                                    <p:set>
+                                      <p:cBhvr>
+                                        <p:cTn id="10" dur="1" fill="hold">
+                                          <p:stCondLst>
+                                            <p:cond delay="0"/>
+                                          </p:stCondLst>
+                                        </p:cTn>
+                                        <p:tgtEl>
+                                          <p:spTgt spid="3">
+                                            <p:txEl>
+                                              <p:pRg st="1" end="1"/>
+                                            </p:txEl>
+                                          </p:spTgt>
+                                        </p:tgtEl>
+                                        <p:attrNameLst>
+                                          <p:attrName>style.visibility</p:attrName>
+                                        </p:attrNameLst>
+                                      </p:cBhvr>
+                                      <p:to>
+                                        <p:strVal val="visible"/>
+                                      </p:to>
+                                    </p:set>
+                                  </p:childTnLst>
+                                </p:cTn>
+                              </p:par>
+                            </p:childTnLst>
+                          </p:cTn>
+                        </p:par>
+                      </p:childTnLst>
+                    </p:cTn>
+                  </p:par>
+                  <p:par>
+                    <p:cTn id="11" fill="hold">
+                      <p:stCondLst>
+                        <p:cond delay="indefinite"/>
+                      </p:stCondLst>
+                      <p:childTnLst>
+                        <p:par>
+                          <p:cTn id="12" fill="hold">
+                            <p:stCondLst>
+                              <p:cond delay="0"/>
+                            </p:stCondLst>
+                            <p:childTnLst>
+                              <p:par>
+                                <p:cTn id="13" presetID="1" presetClass="entr" presetSubtype="0" fill="hold" nodeType="clickEffect">
+                                  <p:stCondLst>
+                                    <p:cond delay="0"/>
+                                  </p:stCondLst>
+                                  <p:childTnLst>
+                                    <p:set>
+                                      <p:cBhvr>
+                                        <p:cTn id="14" dur="1" fill="hold">
+                                          <p:stCondLst>
+                                            <p:cond delay="0"/>
+                                          </p:stCondLst>
+                                        </p:cTn>
+                                        <p:tgtEl>
+                                          <p:spTgt spid="3">
+                                            <p:txEl>
+                                              <p:pRg st="2" end="2"/>
+                                            </p:txEl>
+                                          </p:spTgt>
+                                        </p:tgtEl>
+                                        <p:attrNameLst>
+                                          <p:attrName>style.visibility</p:attrName>
+                                        </p:attrNameLst>
+                                      </p:cBhvr>
+                                      <p:to>
+                                        <p:strVal val="visible"/>
+                                      </p:to>
+                                    </p:set>
+                                  </p:childTnLst>
+                                </p:cTn>
+                              </p:par>
+                            </p:childTnLst>
+                          </p:cTn>
+                        </p:par>
+                      </p:childTnLst>
+                    </p:cTn>
+                  </p:par>
+                </p:childTnLst>
+              </p:cTn>
+              <p:prevCondLst>
+                <p:cond evt="onPrev" delay="0">
+                  <p:tgtEl>
+                    <p:sldTgt/>
+                  </p:tgtEl>
+                </p:cond>
+              </p:prevCondLst>
+              <p:nextCondLst>
+                <p:cond evt="onNext" delay="0">
+                  <p:tgtEl>
+                    <p:sldTgt/>
+                  </p:tgtEl>
+                </p:cond>
+              </p:nextCondLst>
+            </p:seq>
+          </p:childTnLst>
+        </p:cTn>
       </p:par>
     </p:tnLst>
   </p:timing>
@@ -10931,7 +11118,177 @@
   <p:timing>
     <p:tnLst>
       <p:par>
-        <p:cTn id="1" dur="indefinite" restart="never" nodeType="tmRoot"/>
+        <p:cTn id="1" dur="indefinite" restart="never" nodeType="tmRoot">
+          <p:childTnLst>
+            <p:seq concurrent="1" nextAc="seek">
+              <p:cTn id="2" dur="indefinite" nodeType="mainSeq">
+                <p:childTnLst>
+                  <p:par>
+                    <p:cTn id="3" fill="hold">
+                      <p:stCondLst>
+                        <p:cond delay="indefinite"/>
+                      </p:stCondLst>
+                      <p:childTnLst>
+                        <p:par>
+                          <p:cTn id="4" fill="hold">
+                            <p:stCondLst>
+                              <p:cond delay="0"/>
+                            </p:stCondLst>
+                            <p:childTnLst>
+                              <p:par>
+                                <p:cTn id="5" presetID="1" presetClass="entr" presetSubtype="0" fill="hold" nodeType="clickEffect">
+                                  <p:stCondLst>
+                                    <p:cond delay="0"/>
+                                  </p:stCondLst>
+                                  <p:childTnLst>
+                                    <p:set>
+                                      <p:cBhvr>
+                                        <p:cTn id="6" dur="1" fill="hold">
+                                          <p:stCondLst>
+                                            <p:cond delay="0"/>
+                                          </p:stCondLst>
+                                        </p:cTn>
+                                        <p:tgtEl>
+                                          <p:spTgt spid="3">
+                                            <p:txEl>
+                                              <p:pRg st="0" end="0"/>
+                                            </p:txEl>
+                                          </p:spTgt>
+                                        </p:tgtEl>
+                                        <p:attrNameLst>
+                                          <p:attrName>style.visibility</p:attrName>
+                                        </p:attrNameLst>
+                                      </p:cBhvr>
+                                      <p:to>
+                                        <p:strVal val="visible"/>
+                                      </p:to>
+                                    </p:set>
+                                  </p:childTnLst>
+                                </p:cTn>
+                              </p:par>
+                            </p:childTnLst>
+                          </p:cTn>
+                        </p:par>
+                      </p:childTnLst>
+                    </p:cTn>
+                  </p:par>
+                  <p:par>
+                    <p:cTn id="7" fill="hold">
+                      <p:stCondLst>
+                        <p:cond delay="indefinite"/>
+                      </p:stCondLst>
+                      <p:childTnLst>
+                        <p:par>
+                          <p:cTn id="8" fill="hold">
+                            <p:stCondLst>
+                              <p:cond delay="0"/>
+                            </p:stCondLst>
+                            <p:childTnLst>
+                              <p:par>
+                                <p:cTn id="9" presetID="1" presetClass="entr" presetSubtype="0" fill="hold" nodeType="clickEffect">
+                                  <p:stCondLst>
+                                    <p:cond delay="0"/>
+                                  </p:stCondLst>
+                                  <p:childTnLst>
+                                    <p:set>
+                                      <p:cBhvr>
+                                        <p:cTn id="10" dur="1" fill="hold">
+                                          <p:stCondLst>
+                                            <p:cond delay="0"/>
+                                          </p:stCondLst>
+                                        </p:cTn>
+                                        <p:tgtEl>
+                                          <p:spTgt spid="3">
+                                            <p:txEl>
+                                              <p:pRg st="1" end="1"/>
+                                            </p:txEl>
+                                          </p:spTgt>
+                                        </p:tgtEl>
+                                        <p:attrNameLst>
+                                          <p:attrName>style.visibility</p:attrName>
+                                        </p:attrNameLst>
+                                      </p:cBhvr>
+                                      <p:to>
+                                        <p:strVal val="visible"/>
+                                      </p:to>
+                                    </p:set>
+                                  </p:childTnLst>
+                                </p:cTn>
+                              </p:par>
+                            </p:childTnLst>
+                          </p:cTn>
+                        </p:par>
+                      </p:childTnLst>
+                    </p:cTn>
+                  </p:par>
+                  <p:par>
+                    <p:cTn id="11" fill="hold">
+                      <p:stCondLst>
+                        <p:cond delay="indefinite"/>
+                      </p:stCondLst>
+                      <p:childTnLst>
+                        <p:par>
+                          <p:cTn id="12" fill="hold">
+                            <p:stCondLst>
+                              <p:cond delay="0"/>
+                            </p:stCondLst>
+                            <p:childTnLst>
+                              <p:par>
+                                <p:cTn id="13" presetID="1" presetClass="entr" presetSubtype="0" fill="hold" nodeType="clickEffect">
+                                  <p:stCondLst>
+                                    <p:cond delay="0"/>
+                                  </p:stCondLst>
+                                  <p:childTnLst>
+                                    <p:set>
+                                      <p:cBhvr>
+                                        <p:cTn id="14" dur="1" fill="hold">
+                                          <p:stCondLst>
+                                            <p:cond delay="0"/>
+                                          </p:stCondLst>
+                                        </p:cTn>
+                                        <p:tgtEl>
+                                          <p:spTgt spid="3">
+                                            <p:txEl>
+                                              <p:pRg st="2" end="2"/>
+                                            </p:txEl>
+                                          </p:spTgt>
+                                        </p:tgtEl>
+                                        <p:attrNameLst>
+                                          <p:attrName>style.visibility</p:attrName>
+                                        </p:attrNameLst>
+                                      </p:cBhvr>
+                                      <p:to>
+                                        <p:strVal val="visible"/>
+                                      </p:to>
+                                    </p:set>
+                                  </p:childTnLst>
+                                </p:cTn>
+                              </p:par>
+                            </p:childTnLst>
+                          </p:cTn>
+                        </p:par>
+                      </p:childTnLst>
+                    </p:cTn>
+                  </p:par>
+                </p:childTnLst>
+              </p:cTn>
+              <p:prevCondLst>
+                <p:cond evt="onPrev" delay="0">
+                  <p:tgtEl>
+                    <p:sldTgt/>
+                  </p:tgtEl>
+                </p:cond>
+              </p:prevCondLst>
+              <p:nextCondLst>
+                <p:cond evt="onNext" delay="0">
+                  <p:tgtEl>
+                    <p:sldTgt/>
+                  </p:tgtEl>
+                </p:cond>
+              </p:nextCondLst>
+            </p:seq>
+          </p:childTnLst>
+        </p:cTn>
       </p:par>
     </p:tnLst>
   </p:timing>
@@ -11482,7 +11839,136 @@
   <p:timing>
     <p:tnLst>
       <p:par>
-        <p:cTn id="1" dur="indefinite" restart="never" nodeType="tmRoot"/>
+        <p:cTn id="1" dur="indefinite" restart="never" nodeType="tmRoot">
+          <p:childTnLst>
+            <p:seq concurrent="1" nextAc="seek">
+              <p:cTn id="2" dur="indefinite" nodeType="mainSeq">
+                <p:childTnLst>
+                  <p:par>
+                    <p:cTn id="3" fill="hold">
+                      <p:stCondLst>
+                        <p:cond delay="indefinite"/>
+                      </p:stCondLst>
+                      <p:childTnLst>
+                        <p:par>
+                          <p:cTn id="4" fill="hold">
+                            <p:stCondLst>
+                              <p:cond delay="0"/>
+                            </p:stCondLst>
+                            <p:childTnLst>
+                              <p:par>
+                                <p:cTn id="5" presetID="14" presetClass="entr" presetSubtype="10" fill="hold" nodeType="clickEffect">
+                                  <p:stCondLst>
+                                    <p:cond delay="0"/>
+                                  </p:stCondLst>
+                                  <p:childTnLst>
+                                    <p:set>
+                                      <p:cBhvr>
+                                        <p:cTn id="6" dur="1" fill="hold">
+                                          <p:stCondLst>
+                                            <p:cond delay="0"/>
+                                          </p:stCondLst>
+                                        </p:cTn>
+                                        <p:tgtEl>
+                                          <p:spTgt spid="8"/>
+                                        </p:tgtEl>
+                                        <p:attrNameLst>
+                                          <p:attrName>style.visibility</p:attrName>
+                                        </p:attrNameLst>
+                                      </p:cBhvr>
+                                      <p:to>
+                                        <p:strVal val="visible"/>
+                                      </p:to>
+                                    </p:set>
+                                    <p:animEffect transition="in" filter="randombar(horizontal)">
+                                      <p:cBhvr>
+                                        <p:cTn id="7" dur="500"/>
+                                        <p:tgtEl>
+                                          <p:spTgt spid="8"/>
+                                        </p:tgtEl>
+                                      </p:cBhvr>
+                                    </p:animEffect>
+                                  </p:childTnLst>
+                                </p:cTn>
+                              </p:par>
+                            </p:childTnLst>
+                          </p:cTn>
+                        </p:par>
+                      </p:childTnLst>
+                    </p:cTn>
+                  </p:par>
+                  <p:par>
+                    <p:cTn id="8" fill="hold">
+                      <p:stCondLst>
+                        <p:cond delay="indefinite"/>
+                      </p:stCondLst>
+                      <p:childTnLst>
+                        <p:par>
+                          <p:cTn id="9" fill="hold">
+                            <p:stCondLst>
+                              <p:cond delay="0"/>
+                            </p:stCondLst>
+                            <p:childTnLst>
+                              <p:par>
+                                <p:cTn id="10" presetID="14" presetClass="entr" presetSubtype="10" fill="hold" nodeType="clickEffect">
+                                  <p:stCondLst>
+                                    <p:cond delay="0"/>
+                                  </p:stCondLst>
+                                  <p:childTnLst>
+                                    <p:set>
+                                      <p:cBhvr>
+                                        <p:cTn id="11" dur="1" fill="hold">
+                                          <p:stCondLst>
+                                            <p:cond delay="0"/>
+                                          </p:stCondLst>
+                                        </p:cTn>
+                                        <p:tgtEl>
+                                          <p:spTgt spid="9"/>
+                                        </p:tgtEl>
+                                        <p:attrNameLst>
+                                          <p:attrName>style.visibility</p:attrName>
+                                        </p:attrNameLst>
+                                      </p:cBhvr>
+                                      <p:to>
+                                        <p:strVal val="visible"/>
+                                      </p:to>
+                                    </p:set>
+                                    <p:animEffect transition="in" filter="randombar(horizontal)">
+                                      <p:cBhvr>
+                                        <p:cTn id="12" dur="500"/>
+                                        <p:tgtEl>
+                                          <p:spTgt spid="9"/>
+                                        </p:tgtEl>
+                                      </p:cBhvr>
+                                    </p:animEffect>
+                                  </p:childTnLst>
+                                </p:cTn>
+                              </p:par>
+                            </p:childTnLst>
+                          </p:cTn>
+                        </p:par>
+                      </p:childTnLst>
+                    </p:cTn>
+                  </p:par>
+                </p:childTnLst>
+              </p:cTn>
+              <p:prevCondLst>
+                <p:cond evt="onPrev" delay="0">
+                  <p:tgtEl>
+                    <p:sldTgt/>
+                  </p:tgtEl>
+                </p:cond>
+              </p:prevCondLst>
+              <p:nextCondLst>
+                <p:cond evt="onNext" delay="0">
+                  <p:tgtEl>
+                    <p:sldTgt/>
+                  </p:tgtEl>
+                </p:cond>
+              </p:nextCondLst>
+            </p:seq>
+          </p:childTnLst>
+        </p:cTn>
       </p:par>
     </p:tnLst>
   </p:timing>
@@ -11699,9 +12185,179 @@
   <p:timing>
     <p:tnLst>
       <p:par>
-        <p:cTn id="1" dur="indefinite" restart="never" nodeType="tmRoot"/>
+        <p:cTn id="1" dur="indefinite" restart="never" nodeType="tmRoot">
+          <p:childTnLst>
+            <p:seq concurrent="1" nextAc="seek">
+              <p:cTn id="2" dur="indefinite" nodeType="mainSeq">
+                <p:childTnLst>
+                  <p:par>
+                    <p:cTn id="3" fill="hold">
+                      <p:stCondLst>
+                        <p:cond delay="indefinite"/>
+                      </p:stCondLst>
+                      <p:childTnLst>
+                        <p:par>
+                          <p:cTn id="4" fill="hold">
+                            <p:stCondLst>
+                              <p:cond delay="0"/>
+                            </p:stCondLst>
+                            <p:childTnLst>
+                              <p:par>
+                                <p:cTn id="5" presetID="14" presetClass="entr" presetSubtype="10" fill="hold" nodeType="clickEffect">
+                                  <p:stCondLst>
+                                    <p:cond delay="0"/>
+                                  </p:stCondLst>
+                                  <p:childTnLst>
+                                    <p:set>
+                                      <p:cBhvr>
+                                        <p:cTn id="6" dur="1" fill="hold">
+                                          <p:stCondLst>
+                                            <p:cond delay="0"/>
+                                          </p:stCondLst>
+                                        </p:cTn>
+                                        <p:tgtEl>
+                                          <p:spTgt spid="9"/>
+                                        </p:tgtEl>
+                                        <p:attrNameLst>
+                                          <p:attrName>style.visibility</p:attrName>
+                                        </p:attrNameLst>
+                                      </p:cBhvr>
+                                      <p:to>
+                                        <p:strVal val="visible"/>
+                                      </p:to>
+                                    </p:set>
+                                    <p:animEffect transition="in" filter="randombar(horizontal)">
+                                      <p:cBhvr>
+                                        <p:cTn id="7" dur="500"/>
+                                        <p:tgtEl>
+                                          <p:spTgt spid="9"/>
+                                        </p:tgtEl>
+                                      </p:cBhvr>
+                                    </p:animEffect>
+                                  </p:childTnLst>
+                                </p:cTn>
+                              </p:par>
+                            </p:childTnLst>
+                          </p:cTn>
+                        </p:par>
+                      </p:childTnLst>
+                    </p:cTn>
+                  </p:par>
+                  <p:par>
+                    <p:cTn id="8" fill="hold">
+                      <p:stCondLst>
+                        <p:cond delay="indefinite"/>
+                      </p:stCondLst>
+                      <p:childTnLst>
+                        <p:par>
+                          <p:cTn id="9" fill="hold">
+                            <p:stCondLst>
+                              <p:cond delay="0"/>
+                            </p:stCondLst>
+                            <p:childTnLst>
+                              <p:par>
+                                <p:cTn id="10" presetID="1" presetClass="entr" presetSubtype="0" fill="hold" grpId="0" nodeType="clickEffect">
+                                  <p:stCondLst>
+                                    <p:cond delay="0"/>
+                                  </p:stCondLst>
+                                  <p:childTnLst>
+                                    <p:set>
+                                      <p:cBhvr>
+                                        <p:cTn id="11" dur="1" fill="hold">
+                                          <p:stCondLst>
+                                            <p:cond delay="0"/>
+                                          </p:stCondLst>
+                                        </p:cTn>
+                                        <p:tgtEl>
+                                          <p:spTgt spid="10"/>
+                                        </p:tgtEl>
+                                        <p:attrNameLst>
+                                          <p:attrName>style.visibility</p:attrName>
+                                        </p:attrNameLst>
+                                      </p:cBhvr>
+                                      <p:to>
+                                        <p:strVal val="visible"/>
+                                      </p:to>
+                                    </p:set>
+                                  </p:childTnLst>
+                                </p:cTn>
+                              </p:par>
+                            </p:childTnLst>
+                          </p:cTn>
+                        </p:par>
+                      </p:childTnLst>
+                    </p:cTn>
+                  </p:par>
+                  <p:par>
+                    <p:cTn id="12" fill="hold">
+                      <p:stCondLst>
+                        <p:cond delay="indefinite"/>
+                      </p:stCondLst>
+                      <p:childTnLst>
+                        <p:par>
+                          <p:cTn id="13" fill="hold">
+                            <p:stCondLst>
+                              <p:cond delay="0"/>
+                            </p:stCondLst>
+                            <p:childTnLst>
+                              <p:par>
+                                <p:cTn id="14" presetID="1" presetClass="entr" presetSubtype="0" fill="hold" grpId="0" nodeType="clickEffect">
+                                  <p:stCondLst>
+                                    <p:cond delay="0"/>
+                                  </p:stCondLst>
+                                  <p:childTnLst>
+                                    <p:set>
+                                      <p:cBhvr>
+                                        <p:cTn id="15" dur="1" fill="hold">
+                                          <p:stCondLst>
+                                            <p:cond delay="0"/>
+                                          </p:stCondLst>
+                                        </p:cTn>
+                                        <p:tgtEl>
+                                          <p:spTgt spid="11"/>
+                                        </p:tgtEl>
+                                        <p:attrNameLst>
+                                          <p:attrName>style.visibility</p:attrName>
+                                        </p:attrNameLst>
+                                      </p:cBhvr>
+                                      <p:to>
+                                        <p:strVal val="visible"/>
+                                      </p:to>
+                                    </p:set>
+                                  </p:childTnLst>
+                                </p:cTn>
+                              </p:par>
+                            </p:childTnLst>
+                          </p:cTn>
+                        </p:par>
+                      </p:childTnLst>
+                    </p:cTn>
+                  </p:par>
+                </p:childTnLst>
+              </p:cTn>
+              <p:prevCondLst>
+                <p:cond evt="onPrev" delay="0">
+                  <p:tgtEl>
+                    <p:sldTgt/>
+                  </p:tgtEl>
+                </p:cond>
+              </p:prevCondLst>
+              <p:nextCondLst>
+                <p:cond evt="onNext" delay="0">
+                  <p:tgtEl>
+                    <p:sldTgt/>
+                  </p:tgtEl>
+                </p:cond>
+              </p:nextCondLst>
+            </p:seq>
+          </p:childTnLst>
+        </p:cTn>
       </p:par>
     </p:tnLst>
+    <p:bldLst>
+      <p:bldP spid="10" grpId="0"/>
+      <p:bldP spid="11" grpId="0"/>
+    </p:bldLst>
   </p:timing>
 </p:sld>
 </file>
@@ -11905,9 +12561,134 @@
   <p:timing>
     <p:tnLst>
       <p:par>
-        <p:cTn id="1" dur="indefinite" restart="never" nodeType="tmRoot"/>
+        <p:cTn id="1" dur="indefinite" restart="never" nodeType="tmRoot">
+          <p:childTnLst>
+            <p:seq concurrent="1" nextAc="seek">
+              <p:cTn id="2" dur="indefinite" nodeType="mainSeq">
+                <p:childTnLst>
+                  <p:par>
+                    <p:cTn id="3" fill="hold">
+                      <p:stCondLst>
+                        <p:cond delay="indefinite"/>
+                      </p:stCondLst>
+                      <p:childTnLst>
+                        <p:par>
+                          <p:cTn id="4" fill="hold">
+                            <p:stCondLst>
+                              <p:cond delay="0"/>
+                            </p:stCondLst>
+                            <p:childTnLst>
+                              <p:par>
+                                <p:cTn id="5" presetID="1" presetClass="entr" presetSubtype="0" fill="hold" grpId="0" nodeType="clickEffect">
+                                  <p:stCondLst>
+                                    <p:cond delay="0"/>
+                                  </p:stCondLst>
+                                  <p:childTnLst>
+                                    <p:set>
+                                      <p:cBhvr>
+                                        <p:cTn id="6" dur="1" fill="hold">
+                                          <p:stCondLst>
+                                            <p:cond delay="0"/>
+                                          </p:stCondLst>
+                                        </p:cTn>
+                                        <p:tgtEl>
+                                          <p:spTgt spid="7">
+                                            <p:txEl>
+                                              <p:pRg st="0" end="0"/>
+                                            </p:txEl>
+                                          </p:spTgt>
+                                        </p:tgtEl>
+                                        <p:attrNameLst>
+                                          <p:attrName>style.visibility</p:attrName>
+                                        </p:attrNameLst>
+                                      </p:cBhvr>
+                                      <p:to>
+                                        <p:strVal val="visible"/>
+                                      </p:to>
+                                    </p:set>
+                                  </p:childTnLst>
+                                </p:cTn>
+                              </p:par>
+                            </p:childTnLst>
+                          </p:cTn>
+                        </p:par>
+                      </p:childTnLst>
+                    </p:cTn>
+                  </p:par>
+                  <p:par>
+                    <p:cTn id="7" fill="hold">
+                      <p:stCondLst>
+                        <p:cond delay="indefinite"/>
+                      </p:stCondLst>
+                      <p:childTnLst>
+                        <p:par>
+                          <p:cTn id="8" fill="hold">
+                            <p:stCondLst>
+                              <p:cond delay="0"/>
+                            </p:stCondLst>
+                            <p:childTnLst>
+                              <p:par>
+                                <p:cTn id="9" presetID="1" presetClass="entr" presetSubtype="0" fill="hold" grpId="0" nodeType="clickEffect">
+                                  <p:stCondLst>
+                                    <p:cond delay="0"/>
+                                  </p:stCondLst>
+                                  <p:childTnLst>
+                                    <p:set>
+                                      <p:cBhvr>
+                                        <p:cTn id="10" dur="1" fill="hold">
+                                          <p:stCondLst>
+                                            <p:cond delay="0"/>
+                                          </p:stCondLst>
+                                        </p:cTn>
+                                        <p:tgtEl>
+                                          <p:spTgt spid="9">
+                                            <p:txEl>
+                                              <p:pRg st="0" end="0"/>
+                                            </p:txEl>
+                                          </p:spTgt>
+                                        </p:tgtEl>
+                                        <p:attrNameLst>
+                                          <p:attrName>style.visibility</p:attrName>
+                                        </p:attrNameLst>
+                                      </p:cBhvr>
+                                      <p:to>
+                                        <p:strVal val="visible"/>
+                                      </p:to>
+                                    </p:set>
+                                  </p:childTnLst>
+                                </p:cTn>
+                              </p:par>
+                            </p:childTnLst>
+                          </p:cTn>
+                        </p:par>
+                      </p:childTnLst>
+                    </p:cTn>
+                  </p:par>
+                </p:childTnLst>
+              </p:cTn>
+              <p:prevCondLst>
+                <p:cond evt="onPrev" delay="0">
+                  <p:tgtEl>
+                    <p:sldTgt/>
+                  </p:tgtEl>
+                </p:cond>
+              </p:prevCondLst>
+              <p:nextCondLst>
+                <p:cond evt="onNext" delay="0">
+                  <p:tgtEl>
+                    <p:sldTgt/>
+                  </p:tgtEl>
+                </p:cond>
+              </p:nextCondLst>
+            </p:seq>
+          </p:childTnLst>
+        </p:cTn>
       </p:par>
     </p:tnLst>
+    <p:bldLst>
+      <p:bldP spid="7" grpId="0" build="p"/>
+      <p:bldP spid="9" grpId="0" build="p"/>
+    </p:bldLst>
   </p:timing>
 </p:sld>
 </file>
@@ -12506,7 +13287,83 @@
   <p:timing>
     <p:tnLst>
       <p:par>
-        <p:cTn id="1" dur="indefinite" restart="never" nodeType="tmRoot"/>
+        <p:cTn id="1" dur="indefinite" restart="never" nodeType="tmRoot">
+          <p:childTnLst>
+            <p:seq concurrent="1" nextAc="seek">
+              <p:cTn id="2" dur="indefinite" nodeType="mainSeq">
+                <p:childTnLst>
+                  <p:par>
+                    <p:cTn id="3" fill="hold">
+                      <p:stCondLst>
+                        <p:cond delay="indefinite"/>
+                      </p:stCondLst>
+                      <p:childTnLst>
+                        <p:par>
+                          <p:cTn id="4" fill="hold">
+                            <p:stCondLst>
+                              <p:cond delay="0"/>
+                            </p:stCondLst>
+                            <p:childTnLst>
+                              <p:par>
+                                <p:cTn id="5" presetID="14" presetClass="entr" presetSubtype="10" fill="hold" nodeType="clickEffect">
+                                  <p:stCondLst>
+                                    <p:cond delay="0"/>
+                                  </p:stCondLst>
+                                  <p:childTnLst>
+                                    <p:set>
+                                      <p:cBhvr>
+                                        <p:cTn id="6" dur="1" fill="hold">
+                                          <p:stCondLst>
+                                            <p:cond delay="0"/>
+                                          </p:stCondLst>
+                                        </p:cTn>
+                                        <p:tgtEl>
+                                          <p:spTgt spid="6"/>
+                                        </p:tgtEl>
+                                        <p:attrNameLst>
+                                          <p:attrName>style.visibility</p:attrName>
+                                        </p:attrNameLst>
+                                      </p:cBhvr>
+                                      <p:to>
+                                        <p:strVal val="visible"/>
+                                      </p:to>
+                                    </p:set>
+                                    <p:animEffect transition="in" filter="randombar(horizontal)">
+                                      <p:cBhvr>
+                                        <p:cTn id="7" dur="500"/>
+                                        <p:tgtEl>
+                                          <p:spTgt spid="6"/>
+                                        </p:tgtEl>
+                                      </p:cBhvr>
+                                    </p:animEffect>
+                                  </p:childTnLst>
+                                </p:cTn>
+                              </p:par>
+                            </p:childTnLst>
+                          </p:cTn>
+                        </p:par>
+                      </p:childTnLst>
+                    </p:cTn>
+                  </p:par>
+                </p:childTnLst>
+              </p:cTn>
+              <p:prevCondLst>
+                <p:cond evt="onPrev" delay="0">
+                  <p:tgtEl>
+                    <p:sldTgt/>
+                  </p:tgtEl>
+                </p:cond>
+              </p:prevCondLst>
+              <p:nextCondLst>
+                <p:cond evt="onNext" delay="0">
+                  <p:tgtEl>
+                    <p:sldTgt/>
+                  </p:tgtEl>
+                </p:cond>
+              </p:nextCondLst>
+            </p:seq>
+          </p:childTnLst>
+        </p:cTn>
       </p:par>
     </p:tnLst>
   </p:timing>
@@ -12641,7 +13498,83 @@
   <p:timing>
     <p:tnLst>
       <p:par>
-        <p:cTn id="1" dur="indefinite" restart="never" nodeType="tmRoot"/>
+        <p:cTn id="1" dur="indefinite" restart="never" nodeType="tmRoot">
+          <p:childTnLst>
+            <p:seq concurrent="1" nextAc="seek">
+              <p:cTn id="2" dur="indefinite" nodeType="mainSeq">
+                <p:childTnLst>
+                  <p:par>
+                    <p:cTn id="3" fill="hold">
+                      <p:stCondLst>
+                        <p:cond delay="indefinite"/>
+                      </p:stCondLst>
+                      <p:childTnLst>
+                        <p:par>
+                          <p:cTn id="4" fill="hold">
+                            <p:stCondLst>
+                              <p:cond delay="0"/>
+                            </p:stCondLst>
+                            <p:childTnLst>
+                              <p:par>
+                                <p:cTn id="5" presetID="14" presetClass="entr" presetSubtype="10" fill="hold" nodeType="clickEffect">
+                                  <p:stCondLst>
+                                    <p:cond delay="0"/>
+                                  </p:stCondLst>
+                                  <p:childTnLst>
+                                    <p:set>
+                                      <p:cBhvr>
+                                        <p:cTn id="6" dur="1" fill="hold">
+                                          <p:stCondLst>
+                                            <p:cond delay="0"/>
+                                          </p:stCondLst>
+                                        </p:cTn>
+                                        <p:tgtEl>
+                                          <p:spTgt spid="6"/>
+                                        </p:tgtEl>
+                                        <p:attrNameLst>
+                                          <p:attrName>style.visibility</p:attrName>
+                                        </p:attrNameLst>
+                                      </p:cBhvr>
+                                      <p:to>
+                                        <p:strVal val="visible"/>
+                                      </p:to>
+                                    </p:set>
+                                    <p:animEffect transition="in" filter="randombar(horizontal)">
+                                      <p:cBhvr>
+                                        <p:cTn id="7" dur="500"/>
+                                        <p:tgtEl>
+                                          <p:spTgt spid="6"/>
+                                        </p:tgtEl>
+                                      </p:cBhvr>
+                                    </p:animEffect>
+                                  </p:childTnLst>
+                                </p:cTn>
+                              </p:par>
+                            </p:childTnLst>
+                          </p:cTn>
+                        </p:par>
+                      </p:childTnLst>
+                    </p:cTn>
+                  </p:par>
+                </p:childTnLst>
+              </p:cTn>
+              <p:prevCondLst>
+                <p:cond evt="onPrev" delay="0">
+                  <p:tgtEl>
+                    <p:sldTgt/>
+                  </p:tgtEl>
+                </p:cond>
+              </p:prevCondLst>
+              <p:nextCondLst>
+                <p:cond evt="onNext" delay="0">
+                  <p:tgtEl>
+                    <p:sldTgt/>
+                  </p:tgtEl>
+                </p:cond>
+              </p:nextCondLst>
+            </p:seq>
+          </p:childTnLst>
+        </p:cTn>
       </p:par>
     </p:tnLst>
   </p:timing>
@@ -12894,9 +13827,222 @@
   <p:timing>
     <p:tnLst>
       <p:par>
-        <p:cTn id="1" dur="indefinite" restart="never" nodeType="tmRoot"/>
+        <p:cTn id="1" dur="indefinite" restart="never" nodeType="tmRoot">
+          <p:childTnLst>
+            <p:seq concurrent="1" nextAc="seek">
+              <p:cTn id="2" dur="indefinite" nodeType="mainSeq">
+                <p:childTnLst>
+                  <p:par>
+                    <p:cTn id="3" fill="hold">
+                      <p:stCondLst>
+                        <p:cond delay="indefinite"/>
+                      </p:stCondLst>
+                      <p:childTnLst>
+                        <p:par>
+                          <p:cTn id="4" fill="hold">
+                            <p:stCondLst>
+                              <p:cond delay="0"/>
+                            </p:stCondLst>
+                            <p:childTnLst>
+                              <p:par>
+                                <p:cTn id="5" presetID="14" presetClass="entr" presetSubtype="10" fill="hold" nodeType="clickEffect">
+                                  <p:stCondLst>
+                                    <p:cond delay="0"/>
+                                  </p:stCondLst>
+                                  <p:childTnLst>
+                                    <p:set>
+                                      <p:cBhvr>
+                                        <p:cTn id="6" dur="1" fill="hold">
+                                          <p:stCondLst>
+                                            <p:cond delay="0"/>
+                                          </p:stCondLst>
+                                        </p:cTn>
+                                        <p:tgtEl>
+                                          <p:spTgt spid="6"/>
+                                        </p:tgtEl>
+                                        <p:attrNameLst>
+                                          <p:attrName>style.visibility</p:attrName>
+                                        </p:attrNameLst>
+                                      </p:cBhvr>
+                                      <p:to>
+                                        <p:strVal val="visible"/>
+                                      </p:to>
+                                    </p:set>
+                                    <p:animEffect transition="in" filter="randombar(horizontal)">
+                                      <p:cBhvr>
+                                        <p:cTn id="7" dur="500"/>
+                                        <p:tgtEl>
+                                          <p:spTgt spid="6"/>
+                                        </p:tgtEl>
+                                      </p:cBhvr>
+                                    </p:animEffect>
+                                  </p:childTnLst>
+                                </p:cTn>
+                              </p:par>
+                            </p:childTnLst>
+                          </p:cTn>
+                        </p:par>
+                      </p:childTnLst>
+                    </p:cTn>
+                  </p:par>
+                  <p:par>
+                    <p:cTn id="8" fill="hold">
+                      <p:stCondLst>
+                        <p:cond delay="indefinite"/>
+                      </p:stCondLst>
+                      <p:childTnLst>
+                        <p:par>
+                          <p:cTn id="9" fill="hold">
+                            <p:stCondLst>
+                              <p:cond delay="0"/>
+                            </p:stCondLst>
+                            <p:childTnLst>
+                              <p:par>
+                                <p:cTn id="10" presetID="21" presetClass="entr" presetSubtype="1" fill="hold" grpId="0" nodeType="clickEffect">
+                                  <p:stCondLst>
+                                    <p:cond delay="0"/>
+                                  </p:stCondLst>
+                                  <p:childTnLst>
+                                    <p:set>
+                                      <p:cBhvr>
+                                        <p:cTn id="11" dur="1" fill="hold">
+                                          <p:stCondLst>
+                                            <p:cond delay="0"/>
+                                          </p:stCondLst>
+                                        </p:cTn>
+                                        <p:tgtEl>
+                                          <p:spTgt spid="7"/>
+                                        </p:tgtEl>
+                                        <p:attrNameLst>
+                                          <p:attrName>style.visibility</p:attrName>
+                                        </p:attrNameLst>
+                                      </p:cBhvr>
+                                      <p:to>
+                                        <p:strVal val="visible"/>
+                                      </p:to>
+                                    </p:set>
+                                    <p:animEffect transition="in" filter="wheel(1)">
+                                      <p:cBhvr>
+                                        <p:cTn id="12" dur="500"/>
+                                        <p:tgtEl>
+                                          <p:spTgt spid="7"/>
+                                        </p:tgtEl>
+                                      </p:cBhvr>
+                                    </p:animEffect>
+                                  </p:childTnLst>
+                                </p:cTn>
+                              </p:par>
+                            </p:childTnLst>
+                          </p:cTn>
+                        </p:par>
+                        <p:par>
+                          <p:cTn id="13" fill="hold">
+                            <p:stCondLst>
+                              <p:cond delay="500"/>
+                            </p:stCondLst>
+                            <p:childTnLst>
+                              <p:par>
+                                <p:cTn id="14" presetID="18" presetClass="entr" presetSubtype="6" fill="hold" nodeType="afterEffect">
+                                  <p:stCondLst>
+                                    <p:cond delay="0"/>
+                                  </p:stCondLst>
+                                  <p:childTnLst>
+                                    <p:set>
+                                      <p:cBhvr>
+                                        <p:cTn id="15" dur="1" fill="hold">
+                                          <p:stCondLst>
+                                            <p:cond delay="0"/>
+                                          </p:stCondLst>
+                                        </p:cTn>
+                                        <p:tgtEl>
+                                          <p:spTgt spid="10"/>
+                                        </p:tgtEl>
+                                        <p:attrNameLst>
+                                          <p:attrName>style.visibility</p:attrName>
+                                        </p:attrNameLst>
+                                      </p:cBhvr>
+                                      <p:to>
+                                        <p:strVal val="visible"/>
+                                      </p:to>
+                                    </p:set>
+                                    <p:animEffect transition="in" filter="strips(downRight)">
+                                      <p:cBhvr>
+                                        <p:cTn id="16" dur="500"/>
+                                        <p:tgtEl>
+                                          <p:spTgt spid="10"/>
+                                        </p:tgtEl>
+                                      </p:cBhvr>
+                                    </p:animEffect>
+                                  </p:childTnLst>
+                                </p:cTn>
+                              </p:par>
+                            </p:childTnLst>
+                          </p:cTn>
+                        </p:par>
+                        <p:par>
+                          <p:cTn id="17" fill="hold">
+                            <p:stCondLst>
+                              <p:cond delay="1000"/>
+                            </p:stCondLst>
+                            <p:childTnLst>
+                              <p:par>
+                                <p:cTn id="18" presetID="1" presetClass="entr" presetSubtype="0" fill="hold" grpId="0" nodeType="afterEffect">
+                                  <p:stCondLst>
+                                    <p:cond delay="0"/>
+                                  </p:stCondLst>
+                                  <p:childTnLst>
+                                    <p:set>
+                                      <p:cBhvr>
+                                        <p:cTn id="19" dur="1" fill="hold">
+                                          <p:stCondLst>
+                                            <p:cond delay="0"/>
+                                          </p:stCondLst>
+                                        </p:cTn>
+                                        <p:tgtEl>
+                                          <p:spTgt spid="8"/>
+                                        </p:tgtEl>
+                                        <p:attrNameLst>
+                                          <p:attrName>style.visibility</p:attrName>
+                                        </p:attrNameLst>
+                                      </p:cBhvr>
+                                      <p:to>
+                                        <p:strVal val="visible"/>
+                                      </p:to>
+                                    </p:set>
+                                  </p:childTnLst>
+                                </p:cTn>
+                              </p:par>
+                            </p:childTnLst>
+                          </p:cTn>
+                        </p:par>
+                      </p:childTnLst>
+                    </p:cTn>
+                  </p:par>
+                </p:childTnLst>
+              </p:cTn>
+              <p:prevCondLst>
+                <p:cond evt="onPrev" delay="0">
+                  <p:tgtEl>
+                    <p:sldTgt/>
+                  </p:tgtEl>
+                </p:cond>
+              </p:prevCondLst>
+              <p:nextCondLst>
+                <p:cond evt="onNext" delay="0">
+                  <p:tgtEl>
+                    <p:sldTgt/>
+                  </p:tgtEl>
+                </p:cond>
+              </p:nextCondLst>
+            </p:seq>
+          </p:childTnLst>
+        </p:cTn>
       </p:par>
     </p:tnLst>
+    <p:bldLst>
+      <p:bldP spid="7" grpId="0" animBg="1"/>
+      <p:bldP spid="8" grpId="0"/>
+    </p:bldLst>
   </p:timing>
 </p:sld>
 </file>

--- a/PPT/Design Pattern 4 - Decorator Pattern.pptx
+++ b/PPT/Design Pattern 4 - Decorator Pattern.pptx
@@ -271,35 +271,35 @@
           <a:p>
             <a:pPr lvl="0"/>
             <a:r>
-              <a:rPr lang="en-US" smtClean="0"/>
+              <a:rPr lang="en-US"/>
               <a:t>Edit Master text styles</a:t>
             </a:r>
           </a:p>
           <a:p>
             <a:pPr lvl="1"/>
             <a:r>
-              <a:rPr lang="en-US" smtClean="0"/>
+              <a:rPr lang="en-US"/>
               <a:t>Second level</a:t>
             </a:r>
           </a:p>
           <a:p>
             <a:pPr lvl="2"/>
             <a:r>
-              <a:rPr lang="en-US" smtClean="0"/>
+              <a:rPr lang="en-US"/>
               <a:t>Third level</a:t>
             </a:r>
           </a:p>
           <a:p>
             <a:pPr lvl="3"/>
             <a:r>
-              <a:rPr lang="en-US" smtClean="0"/>
+              <a:rPr lang="en-US"/>
               <a:t>Fourth level</a:t>
             </a:r>
           </a:p>
           <a:p>
             <a:pPr lvl="4"/>
             <a:r>
-              <a:rPr lang="en-US" smtClean="0"/>
+              <a:rPr lang="en-US"/>
               <a:t>Fifth level</a:t>
             </a:r>
             <a:endParaRPr lang="id-ID"/>
@@ -3931,7 +3931,7 @@
           </a:lstStyle>
           <a:p>
             <a:r>
-              <a:rPr lang="en-US" smtClean="0"/>
+              <a:rPr lang="en-US"/>
               <a:t>Click to edit Master title style</a:t>
             </a:r>
             <a:endParaRPr lang="en-US" dirty="0"/>
@@ -4011,7 +4011,7 @@
           </a:lstStyle>
           <a:p>
             <a:r>
-              <a:rPr lang="en-US" smtClean="0"/>
+              <a:rPr lang="en-US"/>
               <a:t>Click to edit Master subtitle style</a:t>
             </a:r>
             <a:endParaRPr lang="en-US" dirty="0"/>
@@ -4061,10 +4061,9 @@
           <a:lstStyle/>
           <a:p>
             <a:r>
-              <a:rPr lang="id-ID" smtClean="0"/>
+              <a:rPr lang="id-ID"/>
               <a:t>Design Pattern - Decorator</a:t>
             </a:r>
-            <a:endParaRPr lang="id-ID"/>
           </a:p>
         </p:txBody>
       </p:sp>
@@ -4172,7 +4171,7 @@
           <a:lstStyle/>
           <a:p>
             <a:r>
-              <a:rPr lang="en-US" smtClean="0"/>
+              <a:rPr lang="en-US"/>
               <a:t>Click to edit Master title style</a:t>
             </a:r>
             <a:endParaRPr lang="en-US" dirty="0"/>
@@ -4196,35 +4195,35 @@
           <a:p>
             <a:pPr lvl="0"/>
             <a:r>
-              <a:rPr lang="en-US" smtClean="0"/>
+              <a:rPr lang="en-US"/>
               <a:t>Edit Master text styles</a:t>
             </a:r>
           </a:p>
           <a:p>
             <a:pPr lvl="1"/>
             <a:r>
-              <a:rPr lang="en-US" smtClean="0"/>
+              <a:rPr lang="en-US"/>
               <a:t>Second level</a:t>
             </a:r>
           </a:p>
           <a:p>
             <a:pPr lvl="2"/>
             <a:r>
-              <a:rPr lang="en-US" smtClean="0"/>
+              <a:rPr lang="en-US"/>
               <a:t>Third level</a:t>
             </a:r>
           </a:p>
           <a:p>
             <a:pPr lvl="3"/>
             <a:r>
-              <a:rPr lang="en-US" smtClean="0"/>
+              <a:rPr lang="en-US"/>
               <a:t>Fourth level</a:t>
             </a:r>
           </a:p>
           <a:p>
             <a:pPr lvl="4"/>
             <a:r>
-              <a:rPr lang="en-US" smtClean="0"/>
+              <a:rPr lang="en-US"/>
               <a:t>Fifth level</a:t>
             </a:r>
             <a:endParaRPr lang="en-US" dirty="0"/>
@@ -4270,10 +4269,9 @@
           <a:lstStyle/>
           <a:p>
             <a:r>
-              <a:rPr lang="id-ID" smtClean="0"/>
+              <a:rPr lang="id-ID"/>
               <a:t>Design Pattern - Decorator</a:t>
             </a:r>
-            <a:endParaRPr lang="id-ID"/>
           </a:p>
         </p:txBody>
       </p:sp>
@@ -4351,7 +4349,7 @@
           <a:lstStyle/>
           <a:p>
             <a:r>
-              <a:rPr lang="en-US" smtClean="0"/>
+              <a:rPr lang="en-US"/>
               <a:t>Click to edit Master title style</a:t>
             </a:r>
             <a:endParaRPr lang="en-US" dirty="0"/>
@@ -4380,35 +4378,35 @@
           <a:p>
             <a:pPr lvl="0"/>
             <a:r>
-              <a:rPr lang="en-US" smtClean="0"/>
+              <a:rPr lang="en-US"/>
               <a:t>Edit Master text styles</a:t>
             </a:r>
           </a:p>
           <a:p>
             <a:pPr lvl="1"/>
             <a:r>
-              <a:rPr lang="en-US" smtClean="0"/>
+              <a:rPr lang="en-US"/>
               <a:t>Second level</a:t>
             </a:r>
           </a:p>
           <a:p>
             <a:pPr lvl="2"/>
             <a:r>
-              <a:rPr lang="en-US" smtClean="0"/>
+              <a:rPr lang="en-US"/>
               <a:t>Third level</a:t>
             </a:r>
           </a:p>
           <a:p>
             <a:pPr lvl="3"/>
             <a:r>
-              <a:rPr lang="en-US" smtClean="0"/>
+              <a:rPr lang="en-US"/>
               <a:t>Fourth level</a:t>
             </a:r>
           </a:p>
           <a:p>
             <a:pPr lvl="4"/>
             <a:r>
-              <a:rPr lang="en-US" smtClean="0"/>
+              <a:rPr lang="en-US"/>
               <a:t>Fifth level</a:t>
             </a:r>
             <a:endParaRPr lang="en-US" dirty="0"/>
@@ -4454,10 +4452,9 @@
           <a:lstStyle/>
           <a:p>
             <a:r>
-              <a:rPr lang="id-ID" smtClean="0"/>
+              <a:rPr lang="id-ID"/>
               <a:t>Design Pattern - Decorator</a:t>
             </a:r>
-            <a:endParaRPr lang="id-ID"/>
           </a:p>
         </p:txBody>
       </p:sp>
@@ -4565,7 +4562,7 @@
           <a:lstStyle/>
           <a:p>
             <a:r>
-              <a:rPr lang="en-US" smtClean="0"/>
+              <a:rPr lang="en-US"/>
               <a:t>Click to edit Master title style</a:t>
             </a:r>
             <a:endParaRPr lang="en-US" dirty="0"/>
@@ -4589,35 +4586,35 @@
           <a:p>
             <a:pPr lvl="0"/>
             <a:r>
-              <a:rPr lang="en-US" smtClean="0"/>
+              <a:rPr lang="en-US"/>
               <a:t>Edit Master text styles</a:t>
             </a:r>
           </a:p>
           <a:p>
             <a:pPr lvl="1"/>
             <a:r>
-              <a:rPr lang="en-US" smtClean="0"/>
+              <a:rPr lang="en-US"/>
               <a:t>Second level</a:t>
             </a:r>
           </a:p>
           <a:p>
             <a:pPr lvl="2"/>
             <a:r>
-              <a:rPr lang="en-US" smtClean="0"/>
+              <a:rPr lang="en-US"/>
               <a:t>Third level</a:t>
             </a:r>
           </a:p>
           <a:p>
             <a:pPr lvl="3"/>
             <a:r>
-              <a:rPr lang="en-US" smtClean="0"/>
+              <a:rPr lang="en-US"/>
               <a:t>Fourth level</a:t>
             </a:r>
           </a:p>
           <a:p>
             <a:pPr lvl="4"/>
             <a:r>
-              <a:rPr lang="en-US" smtClean="0"/>
+              <a:rPr lang="en-US"/>
               <a:t>Fifth level</a:t>
             </a:r>
             <a:endParaRPr lang="en-US" dirty="0"/>
@@ -4663,10 +4660,9 @@
           <a:lstStyle/>
           <a:p>
             <a:r>
-              <a:rPr lang="id-ID" smtClean="0"/>
+              <a:rPr lang="id-ID"/>
               <a:t>Design Pattern - Decorator</a:t>
             </a:r>
-            <a:endParaRPr lang="id-ID"/>
           </a:p>
         </p:txBody>
       </p:sp>
@@ -8162,7 +8158,7 @@
           </a:lstStyle>
           <a:p>
             <a:r>
-              <a:rPr lang="en-US" smtClean="0"/>
+              <a:rPr lang="en-US"/>
               <a:t>Click to edit Master title style</a:t>
             </a:r>
             <a:endParaRPr lang="en-US" dirty="0"/>
@@ -8291,7 +8287,7 @@
           <a:p>
             <a:pPr lvl="0"/>
             <a:r>
-              <a:rPr lang="en-US" smtClean="0"/>
+              <a:rPr lang="en-US"/>
               <a:t>Edit Master text styles</a:t>
             </a:r>
           </a:p>
@@ -8336,10 +8332,9 @@
           <a:lstStyle/>
           <a:p>
             <a:r>
-              <a:rPr lang="id-ID" smtClean="0"/>
+              <a:rPr lang="id-ID"/>
               <a:t>Design Pattern - Decorator</a:t>
             </a:r>
-            <a:endParaRPr lang="id-ID"/>
           </a:p>
         </p:txBody>
       </p:sp>
@@ -8452,7 +8447,7 @@
           <a:lstStyle/>
           <a:p>
             <a:r>
-              <a:rPr lang="en-US" smtClean="0"/>
+              <a:rPr lang="en-US"/>
               <a:t>Click to edit Master title style</a:t>
             </a:r>
             <a:endParaRPr lang="en-US" dirty="0"/>
@@ -8481,35 +8476,35 @@
           <a:p>
             <a:pPr lvl="0"/>
             <a:r>
-              <a:rPr lang="en-US" smtClean="0"/>
+              <a:rPr lang="en-US"/>
               <a:t>Edit Master text styles</a:t>
             </a:r>
           </a:p>
           <a:p>
             <a:pPr lvl="1"/>
             <a:r>
-              <a:rPr lang="en-US" smtClean="0"/>
+              <a:rPr lang="en-US"/>
               <a:t>Second level</a:t>
             </a:r>
           </a:p>
           <a:p>
             <a:pPr lvl="2"/>
             <a:r>
-              <a:rPr lang="en-US" smtClean="0"/>
+              <a:rPr lang="en-US"/>
               <a:t>Third level</a:t>
             </a:r>
           </a:p>
           <a:p>
             <a:pPr lvl="3"/>
             <a:r>
-              <a:rPr lang="en-US" smtClean="0"/>
+              <a:rPr lang="en-US"/>
               <a:t>Fourth level</a:t>
             </a:r>
           </a:p>
           <a:p>
             <a:pPr lvl="4"/>
             <a:r>
-              <a:rPr lang="en-US" smtClean="0"/>
+              <a:rPr lang="en-US"/>
               <a:t>Fifth level</a:t>
             </a:r>
             <a:endParaRPr lang="en-US" dirty="0"/>
@@ -8538,35 +8533,35 @@
           <a:p>
             <a:pPr lvl="0"/>
             <a:r>
-              <a:rPr lang="en-US" smtClean="0"/>
+              <a:rPr lang="en-US"/>
               <a:t>Edit Master text styles</a:t>
             </a:r>
           </a:p>
           <a:p>
             <a:pPr lvl="1"/>
             <a:r>
-              <a:rPr lang="en-US" smtClean="0"/>
+              <a:rPr lang="en-US"/>
               <a:t>Second level</a:t>
             </a:r>
           </a:p>
           <a:p>
             <a:pPr lvl="2"/>
             <a:r>
-              <a:rPr lang="en-US" smtClean="0"/>
+              <a:rPr lang="en-US"/>
               <a:t>Third level</a:t>
             </a:r>
           </a:p>
           <a:p>
             <a:pPr lvl="3"/>
             <a:r>
-              <a:rPr lang="en-US" smtClean="0"/>
+              <a:rPr lang="en-US"/>
               <a:t>Fourth level</a:t>
             </a:r>
           </a:p>
           <a:p>
             <a:pPr lvl="4"/>
             <a:r>
-              <a:rPr lang="en-US" smtClean="0"/>
+              <a:rPr lang="en-US"/>
               <a:t>Fifth level</a:t>
             </a:r>
             <a:endParaRPr lang="en-US" dirty="0"/>
@@ -8612,10 +8607,9 @@
           <a:lstStyle/>
           <a:p>
             <a:r>
-              <a:rPr lang="id-ID" smtClean="0"/>
+              <a:rPr lang="id-ID"/>
               <a:t>Design Pattern - Decorator</a:t>
             </a:r>
-            <a:endParaRPr lang="id-ID"/>
           </a:p>
         </p:txBody>
       </p:sp>
@@ -8693,7 +8687,7 @@
           <a:lstStyle/>
           <a:p>
             <a:r>
-              <a:rPr lang="en-US" smtClean="0"/>
+              <a:rPr lang="en-US"/>
               <a:t>Click to edit Master title style</a:t>
             </a:r>
             <a:endParaRPr lang="en-US" dirty="0"/>
@@ -8772,7 +8766,7 @@
           <a:p>
             <a:pPr lvl="0"/>
             <a:r>
-              <a:rPr lang="en-US" smtClean="0"/>
+              <a:rPr lang="en-US"/>
               <a:t>Edit Master text styles</a:t>
             </a:r>
           </a:p>
@@ -8800,35 +8794,35 @@
           <a:p>
             <a:pPr lvl="0"/>
             <a:r>
-              <a:rPr lang="en-US" smtClean="0"/>
+              <a:rPr lang="en-US"/>
               <a:t>Edit Master text styles</a:t>
             </a:r>
           </a:p>
           <a:p>
             <a:pPr lvl="1"/>
             <a:r>
-              <a:rPr lang="en-US" smtClean="0"/>
+              <a:rPr lang="en-US"/>
               <a:t>Second level</a:t>
             </a:r>
           </a:p>
           <a:p>
             <a:pPr lvl="2"/>
             <a:r>
-              <a:rPr lang="en-US" smtClean="0"/>
+              <a:rPr lang="en-US"/>
               <a:t>Third level</a:t>
             </a:r>
           </a:p>
           <a:p>
             <a:pPr lvl="3"/>
             <a:r>
-              <a:rPr lang="en-US" smtClean="0"/>
+              <a:rPr lang="en-US"/>
               <a:t>Fourth level</a:t>
             </a:r>
           </a:p>
           <a:p>
             <a:pPr lvl="4"/>
             <a:r>
-              <a:rPr lang="en-US" smtClean="0"/>
+              <a:rPr lang="en-US"/>
               <a:t>Fifth level</a:t>
             </a:r>
             <a:endParaRPr lang="en-US" dirty="0"/>
@@ -8917,7 +8911,7 @@
               <a:buNone/>
             </a:pPr>
             <a:r>
-              <a:rPr lang="en-US" smtClean="0"/>
+              <a:rPr lang="en-US"/>
               <a:t>Edit Master text styles</a:t>
             </a:r>
           </a:p>
@@ -8945,35 +8939,35 @@
           <a:p>
             <a:pPr lvl="0"/>
             <a:r>
-              <a:rPr lang="en-US" smtClean="0"/>
+              <a:rPr lang="en-US"/>
               <a:t>Edit Master text styles</a:t>
             </a:r>
           </a:p>
           <a:p>
             <a:pPr lvl="1"/>
             <a:r>
-              <a:rPr lang="en-US" smtClean="0"/>
+              <a:rPr lang="en-US"/>
               <a:t>Second level</a:t>
             </a:r>
           </a:p>
           <a:p>
             <a:pPr lvl="2"/>
             <a:r>
-              <a:rPr lang="en-US" smtClean="0"/>
+              <a:rPr lang="en-US"/>
               <a:t>Third level</a:t>
             </a:r>
           </a:p>
           <a:p>
             <a:pPr lvl="3"/>
             <a:r>
-              <a:rPr lang="en-US" smtClean="0"/>
+              <a:rPr lang="en-US"/>
               <a:t>Fourth level</a:t>
             </a:r>
           </a:p>
           <a:p>
             <a:pPr lvl="4"/>
             <a:r>
-              <a:rPr lang="en-US" smtClean="0"/>
+              <a:rPr lang="en-US"/>
               <a:t>Fifth level</a:t>
             </a:r>
             <a:endParaRPr lang="en-US" dirty="0"/>
@@ -9019,10 +9013,9 @@
           <a:lstStyle/>
           <a:p>
             <a:r>
-              <a:rPr lang="id-ID" smtClean="0"/>
+              <a:rPr lang="id-ID"/>
               <a:t>Design Pattern - Decorator</a:t>
             </a:r>
-            <a:endParaRPr lang="id-ID"/>
           </a:p>
         </p:txBody>
       </p:sp>
@@ -9095,7 +9088,7 @@
           <a:lstStyle/>
           <a:p>
             <a:r>
-              <a:rPr lang="en-US" smtClean="0"/>
+              <a:rPr lang="en-US"/>
               <a:t>Click to edit Master title style</a:t>
             </a:r>
             <a:endParaRPr lang="en-US" dirty="0"/>
@@ -9141,10 +9134,9 @@
           <a:lstStyle/>
           <a:p>
             <a:r>
-              <a:rPr lang="id-ID" smtClean="0"/>
+              <a:rPr lang="id-ID"/>
               <a:t>Design Pattern - Decorator</a:t>
             </a:r>
-            <a:endParaRPr lang="id-ID"/>
           </a:p>
         </p:txBody>
       </p:sp>
@@ -9240,10 +9232,9 @@
           <a:lstStyle/>
           <a:p>
             <a:r>
-              <a:rPr lang="id-ID" smtClean="0"/>
+              <a:rPr lang="id-ID"/>
               <a:t>Design Pattern - Decorator</a:t>
             </a:r>
-            <a:endParaRPr lang="id-ID"/>
           </a:p>
         </p:txBody>
       </p:sp>
@@ -9330,7 +9321,7 @@
           </a:lstStyle>
           <a:p>
             <a:r>
-              <a:rPr lang="en-US" smtClean="0"/>
+              <a:rPr lang="en-US"/>
               <a:t>Click to edit Master title style</a:t>
             </a:r>
             <a:endParaRPr lang="en-US" dirty="0"/>
@@ -9387,35 +9378,35 @@
           <a:p>
             <a:pPr lvl="0"/>
             <a:r>
-              <a:rPr lang="en-US" smtClean="0"/>
+              <a:rPr lang="en-US"/>
               <a:t>Edit Master text styles</a:t>
             </a:r>
           </a:p>
           <a:p>
             <a:pPr lvl="1"/>
             <a:r>
-              <a:rPr lang="en-US" smtClean="0"/>
+              <a:rPr lang="en-US"/>
               <a:t>Second level</a:t>
             </a:r>
           </a:p>
           <a:p>
             <a:pPr lvl="2"/>
             <a:r>
-              <a:rPr lang="en-US" smtClean="0"/>
+              <a:rPr lang="en-US"/>
               <a:t>Third level</a:t>
             </a:r>
           </a:p>
           <a:p>
             <a:pPr lvl="3"/>
             <a:r>
-              <a:rPr lang="en-US" smtClean="0"/>
+              <a:rPr lang="en-US"/>
               <a:t>Fourth level</a:t>
             </a:r>
           </a:p>
           <a:p>
             <a:pPr lvl="4"/>
             <a:r>
-              <a:rPr lang="en-US" smtClean="0"/>
+              <a:rPr lang="en-US"/>
               <a:t>Fifth level</a:t>
             </a:r>
             <a:endParaRPr lang="en-US" dirty="0"/>
@@ -9489,7 +9480,7 @@
           <a:p>
             <a:pPr lvl="0"/>
             <a:r>
-              <a:rPr lang="en-US" smtClean="0"/>
+              <a:rPr lang="en-US"/>
               <a:t>Edit Master text styles</a:t>
             </a:r>
           </a:p>
@@ -9534,10 +9525,9 @@
           <a:lstStyle/>
           <a:p>
             <a:r>
-              <a:rPr lang="id-ID" smtClean="0"/>
+              <a:rPr lang="id-ID"/>
               <a:t>Design Pattern - Decorator</a:t>
             </a:r>
-            <a:endParaRPr lang="id-ID"/>
           </a:p>
         </p:txBody>
       </p:sp>
@@ -9621,7 +9611,7 @@
           </a:lstStyle>
           <a:p>
             <a:r>
-              <a:rPr lang="en-US" smtClean="0"/>
+              <a:rPr lang="en-US"/>
               <a:t>Click to edit Master title style</a:t>
             </a:r>
             <a:endParaRPr lang="en-US" dirty="0"/>
@@ -9692,7 +9682,7 @@
           </a:lstStyle>
           <a:p>
             <a:r>
-              <a:rPr lang="en-US" smtClean="0"/>
+              <a:rPr lang="en-US"/>
               <a:t>Click icon to add picture</a:t>
             </a:r>
             <a:endParaRPr lang="en-US" dirty="0"/>
@@ -9773,7 +9763,7 @@
           <a:p>
             <a:pPr lvl="0"/>
             <a:r>
-              <a:rPr lang="en-US" smtClean="0"/>
+              <a:rPr lang="en-US"/>
               <a:t>Edit Master text styles</a:t>
             </a:r>
           </a:p>
@@ -9818,10 +9808,9 @@
           <a:lstStyle/>
           <a:p>
             <a:r>
-              <a:rPr lang="id-ID" smtClean="0"/>
+              <a:rPr lang="id-ID"/>
               <a:t>Design Pattern - Decorator</a:t>
             </a:r>
-            <a:endParaRPr lang="id-ID"/>
           </a:p>
         </p:txBody>
       </p:sp>
@@ -9944,7 +9933,7 @@
           <a:lstStyle/>
           <a:p>
             <a:r>
-              <a:rPr lang="en-US" smtClean="0"/>
+              <a:rPr lang="en-US"/>
               <a:t>Click to edit Master title style</a:t>
             </a:r>
             <a:endParaRPr lang="en-US" dirty="0"/>
@@ -9978,35 +9967,35 @@
           <a:p>
             <a:pPr lvl="0"/>
             <a:r>
-              <a:rPr lang="en-US" smtClean="0"/>
+              <a:rPr lang="en-US"/>
               <a:t>Edit Master text styles</a:t>
             </a:r>
           </a:p>
           <a:p>
             <a:pPr lvl="1"/>
             <a:r>
-              <a:rPr lang="en-US" smtClean="0"/>
+              <a:rPr lang="en-US"/>
               <a:t>Second level</a:t>
             </a:r>
           </a:p>
           <a:p>
             <a:pPr lvl="2"/>
             <a:r>
-              <a:rPr lang="en-US" smtClean="0"/>
+              <a:rPr lang="en-US"/>
               <a:t>Third level</a:t>
             </a:r>
           </a:p>
           <a:p>
             <a:pPr lvl="3"/>
             <a:r>
-              <a:rPr lang="en-US" smtClean="0"/>
+              <a:rPr lang="en-US"/>
               <a:t>Fourth level</a:t>
             </a:r>
           </a:p>
           <a:p>
             <a:pPr lvl="4"/>
             <a:r>
-              <a:rPr lang="en-US" smtClean="0"/>
+              <a:rPr lang="en-US"/>
               <a:t>Fifth level</a:t>
             </a:r>
             <a:endParaRPr lang="en-US" dirty="0"/>
@@ -10092,10 +10081,9 @@
           </a:lstStyle>
           <a:p>
             <a:r>
-              <a:rPr lang="id-ID" smtClean="0"/>
+              <a:rPr lang="id-ID"/>
               <a:t>Design Pattern - Decorator</a:t>
             </a:r>
-            <a:endParaRPr lang="id-ID"/>
           </a:p>
         </p:txBody>
       </p:sp>
@@ -10573,10 +10561,9 @@
           <a:lstStyle/>
           <a:p>
             <a:r>
-              <a:rPr lang="id-ID" dirty="0" smtClean="0"/>
+              <a:rPr lang="id-ID" dirty="0"/>
               <a:t>Decorator Pattern</a:t>
             </a:r>
-            <a:endParaRPr lang="id-ID" dirty="0"/>
           </a:p>
         </p:txBody>
       </p:sp>
@@ -10598,26 +10585,25 @@
           <a:lstStyle/>
           <a:p>
             <a:r>
-              <a:rPr lang="id-ID" dirty="0" smtClean="0"/>
+              <a:rPr lang="id-ID" dirty="0"/>
               <a:t>Matakuliah Design Pattern</a:t>
             </a:r>
           </a:p>
           <a:p>
             <a:r>
-              <a:rPr lang="id-ID" dirty="0" smtClean="0"/>
+              <a:rPr lang="id-ID" dirty="0"/>
               <a:t>Dosen Pengampu: </a:t>
             </a:r>
             <a:r>
-              <a:rPr lang="id-ID" b="1" dirty="0" smtClean="0"/>
+              <a:rPr lang="id-ID" b="1" dirty="0"/>
               <a:t>Khoirul Umam, M.Kom</a:t>
             </a:r>
           </a:p>
           <a:p>
             <a:r>
-              <a:rPr lang="id-ID" dirty="0" smtClean="0"/>
+              <a:rPr lang="id-ID" dirty="0"/>
               <a:t>S1 Teknik Informatika STIKOM PGRI Banyuwangi</a:t>
             </a:r>
-            <a:endParaRPr lang="id-ID" dirty="0"/>
           </a:p>
         </p:txBody>
       </p:sp>
@@ -10631,13 +10617,6 @@
   <p:clrMapOvr>
     <a:masterClrMapping/>
   </p:clrMapOvr>
-  <p:timing>
-    <p:tnLst>
-      <p:par>
-        <p:cTn id="1" dur="indefinite" restart="never" nodeType="tmRoot"/>
-      </p:par>
-    </p:tnLst>
-  </p:timing>
 </p:sld>
 </file>
 
@@ -10674,10 +10653,9 @@
           <a:lstStyle/>
           <a:p>
             <a:r>
-              <a:rPr lang="id-ID" dirty="0" smtClean="0"/>
+              <a:rPr lang="id-ID" dirty="0"/>
               <a:t>Tujuan Decorator Pattern</a:t>
             </a:r>
-            <a:endParaRPr lang="id-ID" dirty="0"/>
           </a:p>
         </p:txBody>
       </p:sp>
@@ -10708,7 +10686,7 @@
               <a:buChar char="o"/>
             </a:pPr>
             <a:r>
-              <a:rPr lang="id-ID" sz="2800" dirty="0" smtClean="0"/>
+              <a:rPr lang="id-ID" sz="2800" dirty="0"/>
               <a:t>Memberikan tanggung jawab tambahan pada suatu objek secara dinamis</a:t>
             </a:r>
           </a:p>
@@ -10718,7 +10696,7 @@
               <a:buChar char="o"/>
             </a:pPr>
             <a:r>
-              <a:rPr lang="id-ID" sz="2800" dirty="0" smtClean="0"/>
+              <a:rPr lang="id-ID" sz="2800" dirty="0"/>
               <a:t>Menyediakan alternatif subclassing yang fleksibel dalam perluasan fungsionalitas</a:t>
             </a:r>
           </a:p>
@@ -10727,10 +10705,9 @@
               <a:buNone/>
             </a:pPr>
             <a:r>
-              <a:rPr lang="id-ID" sz="2800" i="1" dirty="0" smtClean="0"/>
+              <a:rPr lang="id-ID" sz="2800" i="1" dirty="0"/>
               <a:t>(GoF Book)</a:t>
             </a:r>
-            <a:endParaRPr lang="id-ID" sz="2800" i="1" dirty="0"/>
           </a:p>
         </p:txBody>
       </p:sp>
@@ -10750,10 +10727,9 @@
           <a:lstStyle/>
           <a:p>
             <a:r>
-              <a:rPr lang="id-ID" smtClean="0"/>
+              <a:rPr lang="id-ID"/>
               <a:t>Design Pattern - Decorator</a:t>
             </a:r>
-            <a:endParaRPr lang="id-ID"/>
           </a:p>
         </p:txBody>
       </p:sp>
@@ -11003,10 +10979,9 @@
           <a:lstStyle/>
           <a:p>
             <a:r>
-              <a:rPr lang="id-ID" dirty="0" smtClean="0"/>
+              <a:rPr lang="id-ID" dirty="0"/>
               <a:t>Decorator Pattern Digunakaan ...</a:t>
             </a:r>
-            <a:endParaRPr lang="id-ID" dirty="0"/>
           </a:p>
         </p:txBody>
       </p:sp>
@@ -11032,7 +11007,7 @@
               <a:buChar char="o"/>
             </a:pPr>
             <a:r>
-              <a:rPr lang="id-ID" sz="2800" dirty="0" smtClean="0"/>
+              <a:rPr lang="id-ID" sz="2800" dirty="0"/>
               <a:t>Saat ingin menambahkan tanggung jawab ke suatu objek secara dinamis dan transparan tanpa mempengaruhi objek lainnya</a:t>
             </a:r>
           </a:p>
@@ -11042,7 +11017,7 @@
               <a:buChar char="o"/>
             </a:pPr>
             <a:r>
-              <a:rPr lang="id-ID" sz="2800" dirty="0" smtClean="0"/>
+              <a:rPr lang="id-ID" sz="2800" dirty="0"/>
               <a:t>Untuk tanggung jawab-tanggung jawab yang bisa ditarik keluar dari objek</a:t>
             </a:r>
           </a:p>
@@ -11052,10 +11027,9 @@
               <a:buChar char="o"/>
             </a:pPr>
             <a:r>
-              <a:rPr lang="id-ID" sz="2800" dirty="0" smtClean="0"/>
+              <a:rPr lang="id-ID" sz="2800" dirty="0"/>
               <a:t>Ketika perluasan dengan subclass tidak praktis</a:t>
             </a:r>
-            <a:endParaRPr lang="id-ID" sz="2800" dirty="0"/>
           </a:p>
         </p:txBody>
       </p:sp>
@@ -11075,10 +11049,9 @@
           <a:lstStyle/>
           <a:p>
             <a:r>
-              <a:rPr lang="id-ID" smtClean="0"/>
+              <a:rPr lang="id-ID"/>
               <a:t>Design Pattern - Decorator</a:t>
             </a:r>
-            <a:endParaRPr lang="id-ID"/>
           </a:p>
         </p:txBody>
       </p:sp>
@@ -11328,17 +11301,16 @@
           <a:lstStyle/>
           <a:p>
             <a:r>
-              <a:rPr lang="id-ID" dirty="0" smtClean="0"/>
+              <a:rPr lang="id-ID" dirty="0"/>
               <a:t>Anda Lapar?</a:t>
             </a:r>
             <a:br>
-              <a:rPr lang="id-ID" dirty="0" smtClean="0"/>
+              <a:rPr lang="id-ID" dirty="0"/>
             </a:br>
             <a:r>
-              <a:rPr lang="id-ID" dirty="0" smtClean="0"/>
+              <a:rPr lang="id-ID" dirty="0"/>
               <a:t>Silakan Mampir ke Warung SedaP!</a:t>
             </a:r>
-            <a:endParaRPr lang="id-ID" dirty="0"/>
           </a:p>
         </p:txBody>
       </p:sp>
@@ -11391,10 +11363,9 @@
                     <a:p>
                       <a:pPr algn="ctr"/>
                       <a:r>
-                        <a:rPr lang="id-ID" sz="2800" dirty="0" smtClean="0"/>
+                        <a:rPr lang="id-ID" sz="2800" dirty="0"/>
                         <a:t>Menu Utama</a:t>
                       </a:r>
-                      <a:endParaRPr lang="id-ID" sz="2800" dirty="0"/>
                     </a:p>
                   </a:txBody>
                   <a:tcPr/>
@@ -11422,10 +11393,9 @@
                     <a:lstStyle/>
                     <a:p>
                       <a:r>
-                        <a:rPr lang="id-ID" sz="2800" dirty="0" smtClean="0"/>
+                        <a:rPr lang="id-ID" sz="2800" dirty="0"/>
                         <a:t>Bakso</a:t>
                       </a:r>
-                      <a:endParaRPr lang="id-ID" sz="2800" dirty="0"/>
                     </a:p>
                   </a:txBody>
                   <a:tcPr/>
@@ -11436,10 +11406,9 @@
                     <a:lstStyle/>
                     <a:p>
                       <a:r>
-                        <a:rPr lang="id-ID" sz="2800" dirty="0" smtClean="0"/>
+                        <a:rPr lang="id-ID" sz="2800" dirty="0"/>
                         <a:t>Rp.10.000,-</a:t>
                       </a:r>
-                      <a:endParaRPr lang="id-ID" sz="2800" dirty="0"/>
                     </a:p>
                   </a:txBody>
                   <a:tcPr/>
@@ -11457,10 +11426,9 @@
                     <a:lstStyle/>
                     <a:p>
                       <a:r>
-                        <a:rPr lang="id-ID" sz="2800" dirty="0" smtClean="0"/>
+                        <a:rPr lang="id-ID" sz="2800" dirty="0"/>
                         <a:t>Soto</a:t>
                       </a:r>
-                      <a:endParaRPr lang="id-ID" sz="2800" dirty="0"/>
                     </a:p>
                   </a:txBody>
                   <a:tcPr/>
@@ -11471,10 +11439,9 @@
                     <a:lstStyle/>
                     <a:p>
                       <a:r>
-                        <a:rPr lang="id-ID" sz="2800" dirty="0" smtClean="0"/>
+                        <a:rPr lang="id-ID" sz="2800" dirty="0"/>
                         <a:t>Rp.10.000,-</a:t>
                       </a:r>
-                      <a:endParaRPr lang="id-ID" sz="2800" dirty="0"/>
                     </a:p>
                   </a:txBody>
                   <a:tcPr/>
@@ -11492,10 +11459,9 @@
                     <a:lstStyle/>
                     <a:p>
                       <a:r>
-                        <a:rPr lang="id-ID" sz="2800" dirty="0" smtClean="0"/>
+                        <a:rPr lang="id-ID" sz="2800" dirty="0"/>
                         <a:t>Nasi Pecel</a:t>
                       </a:r>
-                      <a:endParaRPr lang="id-ID" sz="2800" dirty="0"/>
                     </a:p>
                   </a:txBody>
                   <a:tcPr/>
@@ -11506,10 +11472,9 @@
                     <a:lstStyle/>
                     <a:p>
                       <a:r>
-                        <a:rPr lang="id-ID" sz="2800" dirty="0" smtClean="0"/>
+                        <a:rPr lang="id-ID" sz="2800" dirty="0"/>
                         <a:t>Rp.7.000,-</a:t>
                       </a:r>
-                      <a:endParaRPr lang="id-ID" sz="2800" dirty="0"/>
                     </a:p>
                   </a:txBody>
                   <a:tcPr/>
@@ -11527,11 +11492,11 @@
                     <a:lstStyle/>
                     <a:p>
                       <a:r>
-                        <a:rPr lang="id-ID" sz="2800" dirty="0" smtClean="0"/>
+                        <a:rPr lang="id-ID" sz="2800" dirty="0"/>
                         <a:t>Nasi</a:t>
                       </a:r>
                       <a:r>
-                        <a:rPr lang="id-ID" sz="2800" baseline="0" dirty="0" smtClean="0"/>
+                        <a:rPr lang="id-ID" sz="2800" baseline="0" dirty="0"/>
                         <a:t> Rames</a:t>
                       </a:r>
                       <a:endParaRPr lang="id-ID" sz="2800" dirty="0"/>
@@ -11545,10 +11510,9 @@
                     <a:lstStyle/>
                     <a:p>
                       <a:r>
-                        <a:rPr lang="id-ID" sz="2800" dirty="0" smtClean="0"/>
+                        <a:rPr lang="id-ID" sz="2800" dirty="0"/>
                         <a:t>Rp.6.500,-</a:t>
                       </a:r>
-                      <a:endParaRPr lang="id-ID" sz="2800" dirty="0"/>
                     </a:p>
                   </a:txBody>
                   <a:tcPr/>
@@ -11612,10 +11576,9 @@
                     <a:p>
                       <a:pPr algn="ctr"/>
                       <a:r>
-                        <a:rPr lang="id-ID" sz="2800" dirty="0" smtClean="0"/>
+                        <a:rPr lang="id-ID" sz="2800" dirty="0"/>
                         <a:t>Pilihan Lauk / Rempah Tambahan</a:t>
                       </a:r>
-                      <a:endParaRPr lang="id-ID" sz="2800" dirty="0"/>
                     </a:p>
                   </a:txBody>
                   <a:tcPr/>
@@ -11643,10 +11606,9 @@
                     <a:lstStyle/>
                     <a:p>
                       <a:r>
-                        <a:rPr lang="id-ID" sz="2800" dirty="0" smtClean="0"/>
+                        <a:rPr lang="id-ID" sz="2800" dirty="0"/>
                         <a:t>Ceker Ayam</a:t>
                       </a:r>
-                      <a:endParaRPr lang="id-ID" sz="2800" dirty="0"/>
                     </a:p>
                   </a:txBody>
                   <a:tcPr/>
@@ -11657,10 +11619,9 @@
                     <a:lstStyle/>
                     <a:p>
                       <a:r>
-                        <a:rPr lang="id-ID" sz="2800" dirty="0" smtClean="0"/>
+                        <a:rPr lang="id-ID" sz="2800" dirty="0"/>
                         <a:t>Rp.1.500,-</a:t>
                       </a:r>
-                      <a:endParaRPr lang="id-ID" sz="2800" dirty="0"/>
                     </a:p>
                   </a:txBody>
                   <a:tcPr/>
@@ -11678,10 +11639,9 @@
                     <a:lstStyle/>
                     <a:p>
                       <a:r>
-                        <a:rPr lang="id-ID" sz="2800" dirty="0" smtClean="0"/>
+                        <a:rPr lang="id-ID" sz="2800" dirty="0"/>
                         <a:t>Lontong</a:t>
                       </a:r>
-                      <a:endParaRPr lang="id-ID" sz="2800" dirty="0"/>
                     </a:p>
                   </a:txBody>
                   <a:tcPr/>
@@ -11692,10 +11652,9 @@
                     <a:lstStyle/>
                     <a:p>
                       <a:r>
-                        <a:rPr lang="id-ID" sz="2800" dirty="0" smtClean="0"/>
+                        <a:rPr lang="id-ID" sz="2800" dirty="0"/>
                         <a:t>Rp.1.000,-</a:t>
                       </a:r>
-                      <a:endParaRPr lang="id-ID" sz="2800" dirty="0"/>
                     </a:p>
                   </a:txBody>
                   <a:tcPr/>
@@ -11713,10 +11672,9 @@
                     <a:lstStyle/>
                     <a:p>
                       <a:r>
-                        <a:rPr lang="id-ID" sz="2800" dirty="0" smtClean="0"/>
+                        <a:rPr lang="id-ID" sz="2800" dirty="0"/>
                         <a:t>Telur Dadar</a:t>
                       </a:r>
-                      <a:endParaRPr lang="id-ID" sz="2800" dirty="0"/>
                     </a:p>
                   </a:txBody>
                   <a:tcPr/>
@@ -11727,10 +11685,9 @@
                     <a:lstStyle/>
                     <a:p>
                       <a:r>
-                        <a:rPr lang="id-ID" sz="2800" dirty="0" smtClean="0"/>
+                        <a:rPr lang="id-ID" sz="2800" dirty="0"/>
                         <a:t>Rp.1.000,-</a:t>
                       </a:r>
-                      <a:endParaRPr lang="id-ID" sz="2800" dirty="0"/>
                     </a:p>
                   </a:txBody>
                   <a:tcPr/>
@@ -11748,10 +11705,9 @@
                     <a:lstStyle/>
                     <a:p>
                       <a:r>
-                        <a:rPr lang="id-ID" sz="2800" dirty="0" smtClean="0"/>
+                        <a:rPr lang="id-ID" sz="2800" dirty="0"/>
                         <a:t>Daging</a:t>
                       </a:r>
-                      <a:endParaRPr lang="id-ID" sz="2800" dirty="0"/>
                     </a:p>
                   </a:txBody>
                   <a:tcPr/>
@@ -11762,10 +11718,9 @@
                     <a:lstStyle/>
                     <a:p>
                       <a:r>
-                        <a:rPr lang="id-ID" sz="2800" dirty="0" smtClean="0"/>
+                        <a:rPr lang="id-ID" sz="2800" dirty="0"/>
                         <a:t>Rp.2.500,-</a:t>
                       </a:r>
-                      <a:endParaRPr lang="id-ID" sz="2800" dirty="0"/>
                     </a:p>
                   </a:txBody>
                   <a:tcPr/>
@@ -11796,10 +11751,9 @@
           <a:lstStyle/>
           <a:p>
             <a:r>
-              <a:rPr lang="id-ID" smtClean="0"/>
+              <a:rPr lang="id-ID"/>
               <a:t>Design Pattern - Decorator</a:t>
             </a:r>
-            <a:endParaRPr lang="id-ID"/>
           </a:p>
         </p:txBody>
       </p:sp>
@@ -12008,10 +11962,9 @@
           <a:lstStyle/>
           <a:p>
             <a:r>
-              <a:rPr lang="id-ID" dirty="0" smtClean="0"/>
+              <a:rPr lang="id-ID" dirty="0"/>
               <a:t>Ide Awal &amp; Problem</a:t>
             </a:r>
-            <a:endParaRPr lang="id-ID" dirty="0"/>
           </a:p>
         </p:txBody>
       </p:sp>
@@ -12060,10 +12013,9 @@
           <a:lstStyle/>
           <a:p>
             <a:r>
-              <a:rPr lang="id-ID" smtClean="0"/>
+              <a:rPr lang="id-ID"/>
               <a:t>Design Pattern - Decorator</a:t>
             </a:r>
-            <a:endParaRPr lang="id-ID"/>
           </a:p>
         </p:txBody>
       </p:sp>
@@ -12113,10 +12065,9 @@
           <a:lstStyle/>
           <a:p>
             <a:r>
-              <a:rPr lang="id-ID" dirty="0" smtClean="0"/>
+              <a:rPr lang="id-ID" dirty="0"/>
               <a:t>Terus bagaimana kalau ada yang pengen makan bakso pake lontong 2 dicampur ceker ayam 5 &amp; telur dadar?</a:t>
             </a:r>
-            <a:endParaRPr lang="id-ID" dirty="0"/>
           </a:p>
         </p:txBody>
       </p:sp>
@@ -12143,7 +12094,7 @@
           <a:lstStyle/>
           <a:p>
             <a:r>
-              <a:rPr lang="id-ID" sz="2400" b="1" dirty="0" smtClean="0">
+              <a:rPr lang="id-ID" sz="2400" b="1" dirty="0">
                 <a:solidFill>
                   <a:srgbClr val="FF0000"/>
                 </a:solidFill>
@@ -12157,18 +12108,6 @@
               </a:rPr>
               <a:t>Subclassing tidak praktis!</a:t>
             </a:r>
-            <a:endParaRPr lang="id-ID" sz="2400" b="1" dirty="0">
-              <a:solidFill>
-                <a:srgbClr val="FF0000"/>
-              </a:solidFill>
-              <a:effectLst>
-                <a:outerShdw blurRad="38100" dist="38100" dir="2700000" algn="tl">
-                  <a:srgbClr val="000000">
-                    <a:alpha val="43137"/>
-                  </a:srgbClr>
-                </a:outerShdw>
-              </a:effectLst>
-            </a:endParaRPr>
           </a:p>
         </p:txBody>
       </p:sp>
@@ -12395,10 +12334,9 @@
           <a:lstStyle/>
           <a:p>
             <a:r>
-              <a:rPr lang="id-ID" dirty="0" smtClean="0"/>
+              <a:rPr lang="id-ID" dirty="0"/>
               <a:t>Prinsip Desain &amp; Solusi</a:t>
             </a:r>
-            <a:endParaRPr lang="id-ID" dirty="0"/>
           </a:p>
         </p:txBody>
       </p:sp>
@@ -12419,10 +12357,9 @@
           <a:p>
             <a:pPr algn="ctr"/>
             <a:r>
-              <a:rPr lang="id-ID" dirty="0" smtClean="0"/>
+              <a:rPr lang="id-ID" dirty="0"/>
               <a:t>Prinsip</a:t>
             </a:r>
-            <a:endParaRPr lang="id-ID" dirty="0"/>
           </a:p>
         </p:txBody>
       </p:sp>
@@ -12445,10 +12382,9 @@
           <a:p>
             <a:pPr algn="ctr"/>
             <a:r>
-              <a:rPr lang="id-ID" sz="4000" dirty="0" smtClean="0"/>
+              <a:rPr lang="id-ID" sz="4000" dirty="0"/>
               <a:t>Class harus bisa diperluas tanpa memodifikasi kode program</a:t>
             </a:r>
-            <a:endParaRPr lang="id-ID" sz="4000" dirty="0"/>
           </a:p>
         </p:txBody>
       </p:sp>
@@ -12469,10 +12405,9 @@
           <a:p>
             <a:pPr algn="ctr"/>
             <a:r>
-              <a:rPr lang="id-ID" dirty="0" smtClean="0"/>
+              <a:rPr lang="id-ID" dirty="0"/>
               <a:t>Solusi</a:t>
             </a:r>
-            <a:endParaRPr lang="id-ID" dirty="0"/>
           </a:p>
         </p:txBody>
       </p:sp>
@@ -12495,10 +12430,9 @@
           <a:p>
             <a:pPr algn="ctr"/>
             <a:r>
-              <a:rPr lang="id-ID" sz="5400" dirty="0" smtClean="0"/>
+              <a:rPr lang="id-ID" sz="5400" dirty="0"/>
               <a:t>Objek membungkus objek yang lain</a:t>
             </a:r>
-            <a:endParaRPr lang="id-ID" sz="5400" dirty="0"/>
           </a:p>
         </p:txBody>
       </p:sp>
@@ -12518,10 +12452,9 @@
           <a:lstStyle/>
           <a:p>
             <a:r>
-              <a:rPr lang="id-ID" smtClean="0"/>
+              <a:rPr lang="id-ID"/>
               <a:t>Design Pattern - Decorator</a:t>
             </a:r>
-            <a:endParaRPr lang="id-ID"/>
           </a:p>
         </p:txBody>
       </p:sp>
@@ -12755,7 +12688,7 @@
           <a:p>
             <a:pPr algn="r"/>
             <a:r>
-              <a:rPr lang="id-ID" sz="2000" dirty="0" smtClean="0">
+              <a:rPr lang="id-ID" sz="2000" dirty="0">
                 <a:solidFill>
                   <a:schemeClr val="tx1"/>
                 </a:solidFill>
@@ -12766,18 +12699,13 @@
           <a:p>
             <a:pPr algn="r"/>
             <a:r>
-              <a:rPr lang="id-ID" sz="2000" dirty="0" smtClean="0">
+              <a:rPr lang="id-ID" sz="2000" dirty="0">
                 <a:solidFill>
                   <a:schemeClr val="tx1"/>
                 </a:solidFill>
               </a:rPr>
               <a:t>(+1.500)</a:t>
             </a:r>
-            <a:endParaRPr lang="id-ID" sz="2000" dirty="0">
-              <a:solidFill>
-                <a:schemeClr val="tx1"/>
-              </a:solidFill>
-            </a:endParaRPr>
           </a:p>
         </p:txBody>
       </p:sp>
@@ -12821,17 +12749,16 @@
           <a:p>
             <a:pPr algn="r"/>
             <a:r>
-              <a:rPr lang="id-ID" sz="2000" dirty="0" smtClean="0"/>
+              <a:rPr lang="id-ID" sz="2000" dirty="0"/>
               <a:t>Lontong</a:t>
             </a:r>
           </a:p>
           <a:p>
             <a:pPr algn="r"/>
             <a:r>
-              <a:rPr lang="id-ID" sz="2000" dirty="0" smtClean="0"/>
+              <a:rPr lang="id-ID" sz="2000" dirty="0"/>
               <a:t>(+1.000)</a:t>
             </a:r>
-            <a:endParaRPr lang="id-ID" sz="2000" dirty="0"/>
           </a:p>
         </p:txBody>
       </p:sp>
@@ -12851,10 +12778,9 @@
           <a:lstStyle/>
           <a:p>
             <a:r>
-              <a:rPr lang="id-ID" dirty="0" smtClean="0"/>
+              <a:rPr lang="id-ID" dirty="0"/>
               <a:t>Decorator Pattern = WRAPPER</a:t>
             </a:r>
-            <a:endParaRPr lang="id-ID" dirty="0"/>
           </a:p>
         </p:txBody>
       </p:sp>
@@ -12874,10 +12800,9 @@
           <a:lstStyle/>
           <a:p>
             <a:r>
-              <a:rPr lang="id-ID" smtClean="0"/>
+              <a:rPr lang="id-ID"/>
               <a:t>Design Pattern - Decorator</a:t>
             </a:r>
-            <a:endParaRPr lang="id-ID"/>
           </a:p>
         </p:txBody>
       </p:sp>
@@ -12941,17 +12866,16 @@
           <a:p>
             <a:pPr algn="ctr"/>
             <a:r>
-              <a:rPr lang="id-ID" sz="2400" dirty="0" smtClean="0"/>
+              <a:rPr lang="id-ID" sz="2400" dirty="0"/>
               <a:t>Bakso</a:t>
             </a:r>
           </a:p>
           <a:p>
             <a:pPr algn="ctr"/>
             <a:r>
-              <a:rPr lang="id-ID" sz="2400" dirty="0" smtClean="0"/>
+              <a:rPr lang="id-ID" sz="2400" dirty="0"/>
               <a:t>(10.000)</a:t>
             </a:r>
-            <a:endParaRPr lang="id-ID" sz="2400" dirty="0"/>
           </a:p>
         </p:txBody>
       </p:sp>
@@ -13195,10 +13119,9 @@
           <a:lstStyle/>
           <a:p>
             <a:r>
-              <a:rPr lang="id-ID" dirty="0" smtClean="0"/>
+              <a:rPr lang="id-ID" dirty="0"/>
               <a:t>Struktur Umum Decorator Pattern</a:t>
             </a:r>
-            <a:endParaRPr lang="id-ID" dirty="0"/>
           </a:p>
         </p:txBody>
       </p:sp>
@@ -13244,10 +13167,9 @@
           <a:lstStyle/>
           <a:p>
             <a:r>
-              <a:rPr lang="id-ID" smtClean="0"/>
+              <a:rPr lang="id-ID"/>
               <a:t>Design Pattern - Decorator</a:t>
             </a:r>
-            <a:endParaRPr lang="id-ID"/>
           </a:p>
         </p:txBody>
       </p:sp>
@@ -13270,6 +13192,53 @@
               <a:rPr lang="id-ID" smtClean="0"/>
               <a:t>6</a:t>
             </a:fld>
+            <a:endParaRPr lang="id-ID"/>
+          </a:p>
+        </p:txBody>
+      </p:sp>
+      <p:sp>
+        <p:nvSpPr>
+          <p:cNvPr id="3" name="Oval 2"/>
+          <p:cNvSpPr/>
+          <p:nvPr/>
+        </p:nvSpPr>
+        <p:spPr>
+          <a:xfrm>
+            <a:off x="4072071" y="3306725"/>
+            <a:ext cx="1541721" cy="1541721"/>
+          </a:xfrm>
+          <a:prstGeom prst="ellipse">
+            <a:avLst/>
+          </a:prstGeom>
+          <a:noFill/>
+          <a:ln w="57150">
+            <a:solidFill>
+              <a:srgbClr val="FF0000"/>
+            </a:solidFill>
+            <a:prstDash val="sysDot"/>
+          </a:ln>
+        </p:spPr>
+        <p:style>
+          <a:lnRef idx="2">
+            <a:schemeClr val="accent1">
+              <a:shade val="50000"/>
+            </a:schemeClr>
+          </a:lnRef>
+          <a:fillRef idx="1">
+            <a:schemeClr val="accent1"/>
+          </a:fillRef>
+          <a:effectRef idx="0">
+            <a:schemeClr val="accent1"/>
+          </a:effectRef>
+          <a:fontRef idx="minor">
+            <a:schemeClr val="lt1"/>
+          </a:fontRef>
+        </p:style>
+        <p:txBody>
+          <a:bodyPr rtlCol="0" anchor="ctr"/>
+          <a:lstStyle/>
+          <a:p>
+            <a:pPr algn="ctr"/>
             <a:endParaRPr lang="id-ID"/>
           </a:p>
         </p:txBody>
@@ -13345,6 +13314,59 @@
                       </p:childTnLst>
                     </p:cTn>
                   </p:par>
+                  <p:par>
+                    <p:cTn id="8" fill="hold">
+                      <p:stCondLst>
+                        <p:cond delay="indefinite"/>
+                      </p:stCondLst>
+                      <p:childTnLst>
+                        <p:par>
+                          <p:cTn id="9" fill="hold">
+                            <p:stCondLst>
+                              <p:cond delay="0"/>
+                            </p:stCondLst>
+                            <p:childTnLst>
+                              <p:par>
+                                <p:cTn id="10" presetID="21" presetClass="entr" presetSubtype="1" fill="hold" grpId="0" nodeType="clickEffect">
+                                  <p:stCondLst>
+                                    <p:cond delay="0"/>
+                                  </p:stCondLst>
+                                  <p:childTnLst>
+                                    <p:set>
+                                      <p:cBhvr>
+                                        <p:cTn id="11" dur="1" fill="hold">
+                                          <p:stCondLst>
+                                            <p:cond delay="0"/>
+                                          </p:stCondLst>
+                                        </p:cTn>
+                                        <p:tgtEl>
+                                          <p:spTgt spid="3"/>
+                                        </p:tgtEl>
+                                        <p:attrNameLst>
+                                          <p:attrName>style.visibility</p:attrName>
+                                        </p:attrNameLst>
+                                      </p:cBhvr>
+                                      <p:to>
+                                        <p:strVal val="visible"/>
+                                      </p:to>
+                                    </p:set>
+                                    <p:animEffect transition="in" filter="wheel(1)">
+                                      <p:cBhvr>
+                                        <p:cTn id="12" dur="500"/>
+                                        <p:tgtEl>
+                                          <p:spTgt spid="3"/>
+                                        </p:tgtEl>
+                                      </p:cBhvr>
+                                    </p:animEffect>
+                                  </p:childTnLst>
+                                </p:cTn>
+                              </p:par>
+                            </p:childTnLst>
+                          </p:cTn>
+                        </p:par>
+                      </p:childTnLst>
+                    </p:cTn>
+                  </p:par>
                 </p:childTnLst>
               </p:cTn>
               <p:prevCondLst>
@@ -13366,6 +13388,9 @@
         </p:cTn>
       </p:par>
     </p:tnLst>
+    <p:bldLst>
+      <p:bldP spid="3" grpId="0" animBg="1"/>
+    </p:bldLst>
   </p:timing>
 </p:sld>
 </file>
@@ -13403,10 +13428,9 @@
           <a:lstStyle/>
           <a:p>
             <a:r>
-              <a:rPr lang="id-ID" dirty="0" smtClean="0"/>
+              <a:rPr lang="id-ID" dirty="0"/>
               <a:t>Decorator Pattern Untuk Warung Sedap</a:t>
             </a:r>
-            <a:endParaRPr lang="id-ID" dirty="0"/>
           </a:p>
         </p:txBody>
       </p:sp>
@@ -13455,10 +13479,9 @@
           <a:lstStyle/>
           <a:p>
             <a:r>
-              <a:rPr lang="id-ID" smtClean="0"/>
+              <a:rPr lang="id-ID"/>
               <a:t>Design Pattern - Decorator</a:t>
             </a:r>
-            <a:endParaRPr lang="id-ID"/>
           </a:p>
         </p:txBody>
       </p:sp>
@@ -13614,10 +13637,9 @@
           <a:lstStyle/>
           <a:p>
             <a:r>
-              <a:rPr lang="id-ID" dirty="0" smtClean="0"/>
+              <a:rPr lang="id-ID" dirty="0"/>
               <a:t>Decorator Code</a:t>
             </a:r>
-            <a:endParaRPr lang="id-ID" dirty="0"/>
           </a:p>
         </p:txBody>
       </p:sp>
@@ -13668,10 +13690,9 @@
           <a:lstStyle/>
           <a:p>
             <a:r>
-              <a:rPr lang="id-ID" smtClean="0"/>
+              <a:rPr lang="id-ID"/>
               <a:t>Design Pattern - Decorator</a:t>
             </a:r>
-            <a:endParaRPr lang="id-ID"/>
           </a:p>
         </p:txBody>
       </p:sp>
@@ -13768,10 +13789,9 @@
           <a:lstStyle/>
           <a:p>
             <a:r>
-              <a:rPr lang="id-ID" sz="2400" dirty="0" smtClean="0"/>
+              <a:rPr lang="id-ID" sz="2400" dirty="0"/>
               <a:t>Objek makanan “dibungkus” oleh objek rempah-rempah</a:t>
             </a:r>
-            <a:endParaRPr lang="id-ID" sz="2400" dirty="0"/>
           </a:p>
         </p:txBody>
       </p:sp>
@@ -14080,10 +14100,9 @@
           <a:lstStyle/>
           <a:p>
             <a:r>
-              <a:rPr lang="id-ID" dirty="0" smtClean="0"/>
+              <a:rPr lang="id-ID" dirty="0"/>
               <a:t>Testing</a:t>
             </a:r>
-            <a:endParaRPr lang="id-ID" dirty="0"/>
           </a:p>
         </p:txBody>
       </p:sp>
@@ -14134,10 +14153,9 @@
           <a:lstStyle/>
           <a:p>
             <a:r>
-              <a:rPr lang="id-ID" smtClean="0"/>
+              <a:rPr lang="id-ID"/>
               <a:t>Design Pattern - Decorator</a:t>
             </a:r>
-            <a:endParaRPr lang="id-ID"/>
           </a:p>
         </p:txBody>
       </p:sp>
